--- a/docs/assets/documents/poster.pptx
+++ b/docs/assets/documents/poster.pptx
@@ -1562,7 +1562,7 @@
             </a:pPr>
             <a:fld id="{00000000-1234-1234-1234-123412341234}" type="slidenum">
               <a:rPr lang="en-US"/>
-              <a:t>‹nº›</a:t>
+              <a:t>‹#›</a:t>
             </a:fld>
             <a:endParaRPr/>
           </a:p>
@@ -2289,7 +2289,7 @@
             </a:pPr>
             <a:fld id="{00000000-1234-1234-1234-123412341234}" type="slidenum">
               <a:rPr lang="en-US"/>
-              <a:t>‹nº›</a:t>
+              <a:t>‹#›</a:t>
             </a:fld>
             <a:endParaRPr/>
           </a:p>
@@ -3016,7 +3016,7 @@
             </a:pPr>
             <a:fld id="{00000000-1234-1234-1234-123412341234}" type="slidenum">
               <a:rPr lang="en-US"/>
-              <a:t>‹nº›</a:t>
+              <a:t>‹#›</a:t>
             </a:fld>
             <a:endParaRPr/>
           </a:p>
@@ -3743,7 +3743,7 @@
             </a:pPr>
             <a:fld id="{00000000-1234-1234-1234-123412341234}" type="slidenum">
               <a:rPr lang="en-US"/>
-              <a:t>‹nº›</a:t>
+              <a:t>‹#›</a:t>
             </a:fld>
             <a:endParaRPr/>
           </a:p>
@@ -4507,7 +4507,7 @@
             </a:pPr>
             <a:fld id="{00000000-1234-1234-1234-123412341234}" type="slidenum">
               <a:rPr lang="en-US"/>
-              <a:t>‹nº›</a:t>
+              <a:t>‹#›</a:t>
             </a:fld>
             <a:endParaRPr/>
           </a:p>
@@ -5421,7 +5421,7 @@
             </a:pPr>
             <a:fld id="{00000000-1234-1234-1234-123412341234}" type="slidenum">
               <a:rPr lang="en-US"/>
-              <a:t>‹nº›</a:t>
+              <a:t>‹#›</a:t>
             </a:fld>
             <a:endParaRPr/>
           </a:p>
@@ -6709,7 +6709,7 @@
             </a:pPr>
             <a:fld id="{00000000-1234-1234-1234-123412341234}" type="slidenum">
               <a:rPr lang="en-US"/>
-              <a:t>‹nº›</a:t>
+              <a:t>‹#›</a:t>
             </a:fld>
             <a:endParaRPr/>
           </a:p>
@@ -7249,7 +7249,7 @@
             </a:pPr>
             <a:fld id="{00000000-1234-1234-1234-123412341234}" type="slidenum">
               <a:rPr lang="en-US"/>
-              <a:t>‹nº›</a:t>
+              <a:t>‹#›</a:t>
             </a:fld>
             <a:endParaRPr/>
           </a:p>
@@ -7650,7 +7650,7 @@
             </a:pPr>
             <a:fld id="{00000000-1234-1234-1234-123412341234}" type="slidenum">
               <a:rPr lang="en-US"/>
-              <a:t>‹nº›</a:t>
+              <a:t>‹#›</a:t>
             </a:fld>
             <a:endParaRPr/>
           </a:p>
@@ -8565,7 +8565,7 @@
             </a:pPr>
             <a:fld id="{00000000-1234-1234-1234-123412341234}" type="slidenum">
               <a:rPr lang="en-US"/>
-              <a:t>‹nº›</a:t>
+              <a:t>‹#›</a:t>
             </a:fld>
             <a:endParaRPr/>
           </a:p>
@@ -9317,7 +9317,7 @@
             </a:pPr>
             <a:fld id="{00000000-1234-1234-1234-123412341234}" type="slidenum">
               <a:rPr lang="en-US"/>
-              <a:t>‹nº›</a:t>
+              <a:t>‹#›</a:t>
             </a:fld>
             <a:endParaRPr/>
           </a:p>
@@ -10358,7 +10358,7 @@
             </a:pPr>
             <a:fld id="{00000000-1234-1234-1234-123412341234}" type="slidenum">
               <a:rPr lang="en-US"/>
-              <a:t>‹nº›</a:t>
+              <a:t>‹#›</a:t>
             </a:fld>
             <a:endParaRPr/>
           </a:p>
@@ -11119,8 +11119,8 @@
         </p:blipFill>
         <p:spPr bwMode="auto">
           <a:xfrm>
-            <a:off x="11520045" y="19989686"/>
-            <a:ext cx="3114964" cy="856615"/>
+            <a:off x="11520045" y="20103987"/>
+            <a:ext cx="2957955" cy="813438"/>
           </a:xfrm>
           <a:prstGeom prst="rect">
             <a:avLst/>
@@ -11704,7 +11704,7 @@
         </p:nvSpPr>
         <p:spPr>
           <a:xfrm>
-            <a:off x="3216208" y="12971286"/>
+            <a:off x="3180249" y="13605827"/>
             <a:ext cx="5767979" cy="338554"/>
           </a:xfrm>
           <a:prstGeom prst="rect">
@@ -11740,7 +11740,7 @@
                 <a:cs typeface="Roboto Light"/>
                 <a:sym typeface="Roboto Light"/>
               </a:rPr>
-              <a:t>Fig 1- </a:t>
+              <a:t>Fig 1 - </a:t>
             </a:r>
             <a:r>
               <a:rPr lang="en-US" sz="1600" dirty="0">
@@ -11752,19 +11752,7 @@
                 <a:cs typeface="Roboto Light"/>
                 <a:sym typeface="Roboto Light"/>
               </a:rPr>
-              <a:t>Full-page scan components.</a:t>
-            </a:r>
-            <a:r>
-              <a:rPr lang="en-US" sz="1600" b="0" i="0" u="none" strike="noStrike" cap="none" dirty="0">
-                <a:solidFill>
-                  <a:srgbClr val="548135"/>
-                </a:solidFill>
-                <a:latin typeface="Roboto Light"/>
-                <a:ea typeface="Roboto Light"/>
-                <a:cs typeface="Roboto Light"/>
-                <a:sym typeface="Roboto Light"/>
-              </a:rPr>
-              <a:t> </a:t>
+              <a:t>Software Architecture</a:t>
             </a:r>
             <a:endParaRPr dirty="0"/>
           </a:p>
@@ -11817,23 +11805,9 @@
                 <a:cs typeface="Roboto Medium"/>
                 <a:sym typeface="Roboto Medium"/>
               </a:rPr>
-              <a:t>Implementation</a:t>
+              <a:t>Results</a:t>
             </a:r>
-          </a:p>
-          <a:p>
-            <a:pPr marL="0" marR="0" lvl="0" indent="0" algn="l" rtl="0">
-              <a:lnSpc>
-                <a:spcPct val="120000"/>
-              </a:lnSpc>
-              <a:spcBef>
-                <a:spcPts val="0"/>
-              </a:spcBef>
-              <a:spcAft>
-                <a:spcPts val="0"/>
-              </a:spcAft>
-              <a:buNone/>
-            </a:pPr>
-            <a:endParaRPr lang="en-US" sz="2000" dirty="0">
+            <a:endParaRPr lang="en-US" sz="1000" dirty="0">
               <a:solidFill>
                 <a:srgbClr val="548135"/>
               </a:solidFill>
@@ -11843,13 +11817,15 @@
             </a:endParaRPr>
           </a:p>
           <a:p>
-            <a:pPr>
+            <a:pPr marL="285750" indent="-285750">
               <a:spcBef>
                 <a:spcPts val="1200"/>
               </a:spcBef>
               <a:spcAft>
                 <a:spcPts val="1200"/>
               </a:spcAft>
+              <a:buFont typeface="Arial" panose="020B0604020202020204" pitchFamily="34" charset="0"/>
+              <a:buChar char="•"/>
             </a:pPr>
             <a:r>
               <a:rPr lang="en-US" sz="1800" b="0" i="0" dirty="0">
@@ -11861,18 +11837,56 @@
                 <a:ea typeface="Roboto Light" panose="02000000000000000000" pitchFamily="2" charset="0"/>
                 <a:cs typeface="Roboto Light" panose="02000000000000000000" pitchFamily="2" charset="0"/>
               </a:rPr>
-              <a:t>The extension offers seamless integration into popular web browsers, enabling users to scan web pages, selected text, or copied content for AI-generated elements.</a:t>
+              <a:t>Chrome extension available on popular web browsers</a:t>
             </a:r>
           </a:p>
           <a:p>
-            <a:pPr>
+            <a:pPr marL="285750" indent="-285750">
               <a:spcBef>
                 <a:spcPts val="1200"/>
               </a:spcBef>
               <a:spcAft>
                 <a:spcPts val="1200"/>
               </a:spcAft>
+              <a:buFont typeface="Arial" panose="020B0604020202020204" pitchFamily="34" charset="0"/>
+              <a:buChar char="•"/>
             </a:pPr>
+            <a:r>
+              <a:rPr lang="en-US" sz="1800" b="0" i="0" dirty="0">
+                <a:solidFill>
+                  <a:schemeClr val="tx1"/>
+                </a:solidFill>
+                <a:effectLst/>
+                <a:latin typeface="Roboto Light" panose="02000000000000000000" pitchFamily="2" charset="0"/>
+                <a:ea typeface="Roboto Light" panose="02000000000000000000" pitchFamily="2" charset="0"/>
+                <a:cs typeface="Roboto Light" panose="02000000000000000000" pitchFamily="2" charset="0"/>
+              </a:rPr>
+              <a:t>Scans web pages, selected text, and copied content</a:t>
+            </a:r>
+          </a:p>
+          <a:p>
+            <a:pPr marL="285750" indent="-285750">
+              <a:spcBef>
+                <a:spcPts val="1200"/>
+              </a:spcBef>
+              <a:spcAft>
+                <a:spcPts val="1200"/>
+              </a:spcAft>
+              <a:buFont typeface="Arial" panose="020B0604020202020204" pitchFamily="34" charset="0"/>
+              <a:buChar char="•"/>
+            </a:pPr>
+            <a:r>
+              <a:rPr lang="en-US" sz="1800" b="0" i="0" dirty="0">
+                <a:solidFill>
+                  <a:schemeClr val="tx1"/>
+                </a:solidFill>
+                <a:effectLst/>
+                <a:latin typeface="Roboto Light" panose="02000000000000000000" pitchFamily="2" charset="0"/>
+                <a:ea typeface="Roboto Light" panose="02000000000000000000" pitchFamily="2" charset="0"/>
+                <a:cs typeface="Roboto Light" panose="02000000000000000000" pitchFamily="2" charset="0"/>
+              </a:rPr>
+              <a:t>Detects AI-generated content from Web pages and PDFs (Fig. </a:t>
+            </a:r>
             <a:r>
               <a:rPr lang="en-US" sz="1800" dirty="0">
                 <a:solidFill>
@@ -11882,7 +11896,7 @@
                 <a:ea typeface="Roboto Light" panose="02000000000000000000" pitchFamily="2" charset="0"/>
                 <a:cs typeface="Roboto Light" panose="02000000000000000000" pitchFamily="2" charset="0"/>
               </a:rPr>
-              <a:t>It</a:t>
+              <a:t>2</a:t>
             </a:r>
             <a:r>
               <a:rPr lang="en-US" sz="1800" b="0" i="0" dirty="0">
@@ -11894,17 +11908,19 @@
                 <a:ea typeface="Roboto Light" panose="02000000000000000000" pitchFamily="2" charset="0"/>
                 <a:cs typeface="Roboto Light" panose="02000000000000000000" pitchFamily="2" charset="0"/>
               </a:rPr>
-              <a:t> provides multiple scanning options to cater to users' needs. It allows for comprehensive page scanning, enabling users to analyze an entire web page for AI-generated content. </a:t>
+              <a:t>).</a:t>
             </a:r>
           </a:p>
           <a:p>
-            <a:pPr>
+            <a:pPr marL="285750" indent="-285750">
               <a:spcBef>
                 <a:spcPts val="1200"/>
               </a:spcBef>
               <a:spcAft>
                 <a:spcPts val="1200"/>
               </a:spcAft>
+              <a:buFont typeface="Arial" panose="020B0604020202020204" pitchFamily="34" charset="0"/>
+              <a:buChar char="•"/>
             </a:pPr>
             <a:r>
               <a:rPr lang="en-US" sz="1800" b="0" i="0" dirty="0">
@@ -11916,17 +11932,19 @@
                 <a:ea typeface="Roboto Light" panose="02000000000000000000" pitchFamily="2" charset="0"/>
                 <a:cs typeface="Roboto Light" panose="02000000000000000000" pitchFamily="2" charset="0"/>
               </a:rPr>
-              <a:t>Users can also choose to scan specific sections of text, ensuring a targeted analysis of selected content. Additionally, the extension facilitates the scanning of copied text, making it convenient to detect AI-generated content from various sources.</a:t>
+              <a:t>Customizable colors to highlight AI-generated text</a:t>
             </a:r>
           </a:p>
           <a:p>
-            <a:pPr>
+            <a:pPr marL="285750" indent="-285750">
               <a:spcBef>
                 <a:spcPts val="1200"/>
               </a:spcBef>
               <a:spcAft>
                 <a:spcPts val="1200"/>
               </a:spcAft>
+              <a:buFont typeface="Arial" panose="020B0604020202020204" pitchFamily="34" charset="0"/>
+              <a:buChar char="•"/>
             </a:pPr>
             <a:r>
               <a:rPr lang="en-US" sz="1800" b="0" i="0" dirty="0">
@@ -11938,8 +11956,119 @@
                 <a:ea typeface="Roboto Light" panose="02000000000000000000" pitchFamily="2" charset="0"/>
                 <a:cs typeface="Roboto Light" panose="02000000000000000000" pitchFamily="2" charset="0"/>
               </a:rPr>
-              <a:t>To enhance user experience, the extension highlights detected AI-generated text using customizable colors. This visual cue enables users to quickly identify and differentiate between AI-generated and human-written content. Furthermore, the extension features a global button for effortless page scanning, allowing users to initiate the analysis with a single click (Fig. 1) .</a:t>
+              <a:t>Full page analysis with a global scanning button</a:t>
             </a:r>
+            <a:endParaRPr lang="en-US" sz="1800" dirty="0">
+              <a:solidFill>
+                <a:schemeClr val="tx1"/>
+              </a:solidFill>
+              <a:latin typeface="Roboto Light" panose="02000000000000000000" pitchFamily="2" charset="0"/>
+              <a:ea typeface="Roboto Light" panose="02000000000000000000" pitchFamily="2" charset="0"/>
+              <a:cs typeface="Roboto Light" panose="02000000000000000000" pitchFamily="2" charset="0"/>
+            </a:endParaRPr>
+          </a:p>
+          <a:p>
+            <a:pPr marL="285750" indent="-285750">
+              <a:spcBef>
+                <a:spcPts val="1200"/>
+              </a:spcBef>
+              <a:spcAft>
+                <a:spcPts val="1200"/>
+              </a:spcAft>
+              <a:buFont typeface="Arial" panose="020B0604020202020204" pitchFamily="34" charset="0"/>
+              <a:buChar char="•"/>
+            </a:pPr>
+            <a:endParaRPr lang="en-US" sz="1800" b="0" i="0" dirty="0">
+              <a:solidFill>
+                <a:schemeClr val="tx1"/>
+              </a:solidFill>
+              <a:effectLst/>
+              <a:latin typeface="Roboto Light" panose="02000000000000000000" pitchFamily="2" charset="0"/>
+              <a:ea typeface="Roboto Light" panose="02000000000000000000" pitchFamily="2" charset="0"/>
+              <a:cs typeface="Roboto Light" panose="02000000000000000000" pitchFamily="2" charset="0"/>
+            </a:endParaRPr>
+          </a:p>
+          <a:p>
+            <a:pPr marL="285750" indent="-285750">
+              <a:spcBef>
+                <a:spcPts val="1200"/>
+              </a:spcBef>
+              <a:spcAft>
+                <a:spcPts val="1200"/>
+              </a:spcAft>
+              <a:buFont typeface="Arial" panose="020B0604020202020204" pitchFamily="34" charset="0"/>
+              <a:buChar char="•"/>
+            </a:pPr>
+            <a:endParaRPr lang="en-US" sz="1800" dirty="0">
+              <a:solidFill>
+                <a:schemeClr val="tx1"/>
+              </a:solidFill>
+              <a:latin typeface="Roboto Light" panose="02000000000000000000" pitchFamily="2" charset="0"/>
+              <a:ea typeface="Roboto Light" panose="02000000000000000000" pitchFamily="2" charset="0"/>
+              <a:cs typeface="Roboto Light" panose="02000000000000000000" pitchFamily="2" charset="0"/>
+            </a:endParaRPr>
+          </a:p>
+          <a:p>
+            <a:pPr marL="285750" indent="-285750">
+              <a:spcBef>
+                <a:spcPts val="1200"/>
+              </a:spcBef>
+              <a:spcAft>
+                <a:spcPts val="1200"/>
+              </a:spcAft>
+              <a:buFont typeface="Arial" panose="020B0604020202020204" pitchFamily="34" charset="0"/>
+              <a:buChar char="•"/>
+            </a:pPr>
+            <a:endParaRPr lang="en-US" sz="1800" b="0" i="0" dirty="0">
+              <a:solidFill>
+                <a:schemeClr val="tx1"/>
+              </a:solidFill>
+              <a:effectLst/>
+              <a:latin typeface="Roboto Light" panose="02000000000000000000" pitchFamily="2" charset="0"/>
+              <a:ea typeface="Roboto Light" panose="02000000000000000000" pitchFamily="2" charset="0"/>
+              <a:cs typeface="Roboto Light" panose="02000000000000000000" pitchFamily="2" charset="0"/>
+            </a:endParaRPr>
+          </a:p>
+          <a:p>
+            <a:pPr marL="285750" indent="-285750">
+              <a:spcBef>
+                <a:spcPts val="1200"/>
+              </a:spcBef>
+              <a:spcAft>
+                <a:spcPts val="1200"/>
+              </a:spcAft>
+              <a:buFont typeface="Arial" panose="020B0604020202020204" pitchFamily="34" charset="0"/>
+              <a:buChar char="•"/>
+            </a:pPr>
+            <a:endParaRPr lang="en-US" sz="1800" dirty="0">
+              <a:solidFill>
+                <a:schemeClr val="tx1"/>
+              </a:solidFill>
+              <a:latin typeface="Roboto Light" panose="02000000000000000000" pitchFamily="2" charset="0"/>
+              <a:ea typeface="Roboto Light" panose="02000000000000000000" pitchFamily="2" charset="0"/>
+              <a:cs typeface="Roboto Light" panose="02000000000000000000" pitchFamily="2" charset="0"/>
+            </a:endParaRPr>
+          </a:p>
+          <a:p>
+            <a:pPr marL="285750" indent="-285750">
+              <a:spcBef>
+                <a:spcPts val="1200"/>
+              </a:spcBef>
+              <a:spcAft>
+                <a:spcPts val="1200"/>
+              </a:spcAft>
+              <a:buFont typeface="Arial" panose="020B0604020202020204" pitchFamily="34" charset="0"/>
+              <a:buChar char="•"/>
+            </a:pPr>
+            <a:endParaRPr lang="en-US" sz="1800" b="0" i="0" dirty="0">
+              <a:solidFill>
+                <a:schemeClr val="tx1"/>
+              </a:solidFill>
+              <a:effectLst/>
+              <a:latin typeface="Roboto Light" panose="02000000000000000000" pitchFamily="2" charset="0"/>
+              <a:ea typeface="Roboto Light" panose="02000000000000000000" pitchFamily="2" charset="0"/>
+              <a:cs typeface="Roboto Light" panose="02000000000000000000" pitchFamily="2" charset="0"/>
+            </a:endParaRPr>
           </a:p>
         </p:txBody>
       </p:sp>
@@ -11987,7 +12116,7 @@
                 <a:cs typeface="Roboto Light"/>
                 <a:sym typeface="Roboto Light"/>
               </a:rPr>
-              <a:t>Fig 2- </a:t>
+              <a:t>Fig 3 - </a:t>
             </a:r>
             <a:r>
               <a:rPr lang="en-US" sz="1600" dirty="0">
@@ -12026,7 +12155,7 @@
         <p:spPr>
           <a:xfrm>
             <a:off x="9177710" y="10332140"/>
-            <a:ext cx="5547939" cy="9233256"/>
+            <a:ext cx="5547939" cy="9100913"/>
           </a:xfrm>
           <a:prstGeom prst="rect">
             <a:avLst/>
@@ -12042,13 +12171,84 @@
           </a:bodyPr>
           <a:lstStyle/>
           <a:p>
-            <a:pPr algn="l">
+            <a:pPr marL="285750" indent="-285750">
               <a:spcBef>
                 <a:spcPts val="1200"/>
               </a:spcBef>
               <a:spcAft>
                 <a:spcPts val="600"/>
               </a:spcAft>
+              <a:buFont typeface="Arial" panose="020B0604020202020204" pitchFamily="34" charset="0"/>
+              <a:buChar char="•"/>
+            </a:pPr>
+            <a:r>
+              <a:rPr lang="en-US" sz="1800" dirty="0">
+                <a:solidFill>
+                  <a:schemeClr val="tx1"/>
+                </a:solidFill>
+                <a:latin typeface="Roboto Light" panose="02000000000000000000" pitchFamily="2" charset="0"/>
+                <a:ea typeface="Roboto Light" panose="02000000000000000000" pitchFamily="2" charset="0"/>
+                <a:cs typeface="Roboto Light" panose="02000000000000000000" pitchFamily="2" charset="0"/>
+              </a:rPr>
+              <a:t>Popup interface with a range of customizable options (Fig. 3)</a:t>
+            </a:r>
+          </a:p>
+          <a:p>
+            <a:pPr marL="285750" indent="-285750">
+              <a:spcBef>
+                <a:spcPts val="1200"/>
+              </a:spcBef>
+              <a:spcAft>
+                <a:spcPts val="1200"/>
+              </a:spcAft>
+              <a:buFont typeface="Arial" panose="020B0604020202020204" pitchFamily="34" charset="0"/>
+              <a:buChar char="•"/>
+            </a:pPr>
+            <a:r>
+              <a:rPr lang="en-US" sz="1800" dirty="0">
+                <a:solidFill>
+                  <a:schemeClr val="tx1"/>
+                </a:solidFill>
+                <a:latin typeface="Roboto Light" panose="02000000000000000000" pitchFamily="2" charset="0"/>
+                <a:ea typeface="Roboto Light" panose="02000000000000000000" pitchFamily="2" charset="0"/>
+                <a:cs typeface="Roboto Light" panose="02000000000000000000" pitchFamily="2" charset="0"/>
+              </a:rPr>
+              <a:t>Integration with Model Hub: Our centralized repository for AI text detection models</a:t>
+            </a:r>
+          </a:p>
+          <a:p>
+            <a:pPr marL="285750" indent="-285750">
+              <a:spcBef>
+                <a:spcPts val="1200"/>
+              </a:spcBef>
+              <a:spcAft>
+                <a:spcPts val="1200"/>
+              </a:spcAft>
+              <a:buFont typeface="Arial" panose="020B0604020202020204" pitchFamily="34" charset="0"/>
+              <a:buChar char="•"/>
+            </a:pPr>
+            <a:r>
+              <a:rPr lang="en-US" sz="1800" dirty="0">
+                <a:solidFill>
+                  <a:schemeClr val="tx1"/>
+                </a:solidFill>
+                <a:latin typeface="Roboto Light" panose="02000000000000000000" pitchFamily="2" charset="0"/>
+                <a:ea typeface="Roboto Light" panose="02000000000000000000" pitchFamily="2" charset="0"/>
+                <a:cs typeface="Roboto Light" panose="02000000000000000000" pitchFamily="2" charset="0"/>
+              </a:rPr>
+              <a:t>Access to a variety of models on Model Hub</a:t>
+            </a:r>
+          </a:p>
+          <a:p>
+            <a:pPr marL="285750" indent="-285750">
+              <a:spcBef>
+                <a:spcPts val="1200"/>
+              </a:spcBef>
+              <a:spcAft>
+                <a:spcPts val="1200"/>
+              </a:spcAft>
+              <a:buFont typeface="Arial" panose="020B0604020202020204" pitchFamily="34" charset="0"/>
+              <a:buChar char="•"/>
             </a:pPr>
             <a:r>
               <a:rPr lang="en-US" sz="1800" b="0" i="0" dirty="0">
@@ -12060,77 +12260,88 @@
                 <a:ea typeface="Roboto Light" panose="02000000000000000000" pitchFamily="2" charset="0"/>
                 <a:cs typeface="Roboto Light" panose="02000000000000000000" pitchFamily="2" charset="0"/>
               </a:rPr>
-              <a:t>For further customization, the extension provides a popup interface that offers various settings options (Fig. 2)</a:t>
+              <a:t>Flexible </a:t>
             </a:r>
-          </a:p>
-          <a:p>
-            <a:pPr algn="l">
-              <a:spcBef>
-                <a:spcPts val="1200"/>
-              </a:spcBef>
-              <a:spcAft>
-                <a:spcPts val="600"/>
-              </a:spcAft>
-            </a:pPr>
             <a:r>
-              <a:rPr lang="en-US" sz="1800" b="0" i="0" dirty="0">
+              <a:rPr lang="en-US" sz="1800" dirty="0">
                 <a:solidFill>
                   <a:schemeClr val="tx1"/>
                 </a:solidFill>
-                <a:effectLst/>
                 <a:latin typeface="Roboto Light" panose="02000000000000000000" pitchFamily="2" charset="0"/>
                 <a:ea typeface="Roboto Light" panose="02000000000000000000" pitchFamily="2" charset="0"/>
                 <a:cs typeface="Roboto Light" panose="02000000000000000000" pitchFamily="2" charset="0"/>
               </a:rPr>
-              <a:t>The popup interface also allows for PDF analysis, enabling users to scan AI-generated content within PDF documents seamlessly.</a:t>
+              <a:t>architecture adaptable to new use cases</a:t>
             </a:r>
           </a:p>
           <a:p>
-            <a:pPr algn="l">
+            <a:pPr marL="285750" indent="-285750">
               <a:spcBef>
                 <a:spcPts val="1200"/>
               </a:spcBef>
               <a:spcAft>
-                <a:spcPts val="600"/>
-              </a:spcAft>
+                <a:spcPts val="1200"/>
+              </a:spcAft>
+              <a:buFont typeface="Arial" panose="020B0604020202020204" pitchFamily="34" charset="0"/>
+              <a:buChar char="•"/>
             </a:pPr>
             <a:r>
-              <a:rPr lang="en-US" sz="1800" b="0" i="0" dirty="0">
+              <a:rPr lang="en-US" sz="1800" dirty="0">
                 <a:solidFill>
                   <a:schemeClr val="tx1"/>
                 </a:solidFill>
-                <a:effectLst/>
                 <a:latin typeface="Roboto Light" panose="02000000000000000000" pitchFamily="2" charset="0"/>
                 <a:ea typeface="Roboto Light" panose="02000000000000000000" pitchFamily="2" charset="0"/>
                 <a:cs typeface="Roboto Light" panose="02000000000000000000" pitchFamily="2" charset="0"/>
               </a:rPr>
-              <a:t>In addition to its core functionality, our project includes a Model Hub platform. This platform serves as a centralized repository for users to upload, explore, and share AI models. </a:t>
+              <a:t>Scalability with docker and container orchestration</a:t>
             </a:r>
           </a:p>
           <a:p>
-            <a:pPr algn="l">
+            <a:pPr marL="285750" indent="-285750">
               <a:spcBef>
                 <a:spcPts val="1200"/>
               </a:spcBef>
               <a:spcAft>
-                <a:spcPts val="600"/>
-              </a:spcAft>
+                <a:spcPts val="1200"/>
+              </a:spcAft>
+              <a:buFont typeface="Arial" panose="020B0604020202020204" pitchFamily="34" charset="0"/>
+              <a:buChar char="•"/>
             </a:pPr>
             <a:r>
-              <a:rPr lang="en-US" sz="1800" b="0" i="0" dirty="0">
+              <a:rPr lang="en-US" sz="1800" dirty="0">
                 <a:solidFill>
                   <a:schemeClr val="tx1"/>
                 </a:solidFill>
-                <a:effectLst/>
                 <a:latin typeface="Roboto Light" panose="02000000000000000000" pitchFamily="2" charset="0"/>
                 <a:ea typeface="Roboto Light" panose="02000000000000000000" pitchFamily="2" charset="0"/>
                 <a:cs typeface="Roboto Light" panose="02000000000000000000" pitchFamily="2" charset="0"/>
               </a:rPr>
-              <a:t>It offers a REST API that allows developers to access the AI detection functionality and integrate it into their own applications or services.</a:t>
+              <a:t>Open REST API</a:t>
             </a:r>
           </a:p>
           <a:p>
-            <a:pPr algn="l"/>
+            <a:pPr marL="285750" indent="-285750">
+              <a:spcBef>
+                <a:spcPts val="1200"/>
+              </a:spcBef>
+              <a:spcAft>
+                <a:spcPts val="2400"/>
+              </a:spcAft>
+              <a:buFont typeface="Arial" panose="020B0604020202020204" pitchFamily="34" charset="0"/>
+              <a:buChar char="•"/>
+            </a:pPr>
+            <a:r>
+              <a:rPr lang="en-US" sz="1800" dirty="0">
+                <a:solidFill>
+                  <a:schemeClr val="tx1"/>
+                </a:solidFill>
+                <a:latin typeface="Roboto Light" panose="02000000000000000000" pitchFamily="2" charset="0"/>
+                <a:ea typeface="Roboto Light" panose="02000000000000000000" pitchFamily="2" charset="0"/>
+                <a:cs typeface="Roboto Light" panose="02000000000000000000" pitchFamily="2" charset="0"/>
+              </a:rPr>
+              <a:t>High usability score (SUS score of 92.2) after testing</a:t>
+            </a:r>
             <a:endParaRPr sz="1800" b="0" i="0" u="none" strike="noStrike" cap="none" dirty="0">
               <a:solidFill>
                 <a:schemeClr val="dk1"/>
@@ -12178,17 +12389,8 @@
                 <a:latin typeface="Roboto Light" panose="02000000000000000000" pitchFamily="2" charset="0"/>
                 <a:ea typeface="Roboto Light" panose="02000000000000000000" pitchFamily="2" charset="0"/>
               </a:rPr>
-              <a:t>Our system demonstrates exceptional flexibility in the realm of model selection, addition, and removal, owing to the robustness of our Model Hub and backend architecture. Furthermore, the containerization of our entire infrastructure empowers effortless scalability, allowing us to efficiently accommodate increasing demands without compromising performance or stability.</a:t>
+              <a:t>The project achieved its goals by successfully developing a feature-rich browser extension that surpasses existing solutions. The flexibility of our architecture ensures adaptability to future advancements in NLP and ML. It demonstrated high usability and promising market potential. It was a valuable experience that fostered professional growth and solidified our expertise in software development.</a:t>
             </a:r>
-            <a:endParaRPr lang="en-US" sz="1800" b="0" i="0" dirty="0">
-              <a:solidFill>
-                <a:schemeClr val="tx1"/>
-              </a:solidFill>
-              <a:effectLst/>
-              <a:latin typeface="Roboto Light" panose="02000000000000000000" pitchFamily="2" charset="0"/>
-              <a:ea typeface="Roboto Light" panose="02000000000000000000" pitchFamily="2" charset="0"/>
-              <a:cs typeface="Roboto Light" panose="02000000000000000000" pitchFamily="2" charset="0"/>
-            </a:endParaRPr>
           </a:p>
           <a:p>
             <a:pPr marL="0" marR="0" lvl="0" indent="0" algn="l" rtl="0">
@@ -12237,21 +12439,6 @@
               </a:rPr>
               <a:t>Technologies</a:t>
             </a:r>
-            <a:endParaRPr lang="en-US" dirty="0"/>
-          </a:p>
-          <a:p>
-            <a:pPr marL="0" marR="0" lvl="0" indent="0" algn="l" rtl="0">
-              <a:lnSpc>
-                <a:spcPct val="120000"/>
-              </a:lnSpc>
-              <a:spcBef>
-                <a:spcPts val="0"/>
-              </a:spcBef>
-              <a:spcAft>
-                <a:spcPts val="0"/>
-              </a:spcAft>
-              <a:buNone/>
-            </a:pPr>
             <a:endParaRPr sz="1800" b="0" i="0" u="none" strike="noStrike" cap="none" dirty="0">
               <a:solidFill>
                 <a:schemeClr val="dk1"/>
@@ -12281,1850 +12468,6 @@
               <a:cs typeface="Roboto"/>
               <a:sym typeface="Roboto"/>
             </a:endParaRPr>
-          </a:p>
-        </p:txBody>
-      </p:sp>
-      <p:sp>
-        <p:nvSpPr>
-          <p:cNvPr id="99" name="Google Shape;99;p1"/>
-          <p:cNvSpPr/>
-          <p:nvPr/>
-        </p:nvSpPr>
-        <p:spPr>
-          <a:xfrm>
-            <a:off x="-6044783" y="327024"/>
-            <a:ext cx="6044783" cy="5712657"/>
-          </a:xfrm>
-          <a:prstGeom prst="rightArrowCallout">
-            <a:avLst>
-              <a:gd name="adj1" fmla="val 18349"/>
-              <a:gd name="adj2" fmla="val 25000"/>
-              <a:gd name="adj3" fmla="val 25000"/>
-              <a:gd name="adj4" fmla="val 71459"/>
-            </a:avLst>
-          </a:prstGeom>
-          <a:solidFill>
-            <a:srgbClr val="C4E0B2"/>
-          </a:solidFill>
-          <a:ln w="9525" cap="flat" cmpd="sng">
-            <a:solidFill>
-              <a:schemeClr val="dk1"/>
-            </a:solidFill>
-            <a:prstDash val="solid"/>
-            <a:round/>
-            <a:headEnd type="none" w="sm" len="sm"/>
-            <a:tailEnd type="none" w="sm" len="sm"/>
-          </a:ln>
-        </p:spPr>
-        <p:txBody>
-          <a:bodyPr spcFirstLastPara="1" wrap="square" lIns="91425" tIns="45700" rIns="91425" bIns="45700" anchor="t" anchorCtr="0">
-            <a:noAutofit/>
-          </a:bodyPr>
-          <a:lstStyle/>
-          <a:p>
-            <a:pPr marL="0" marR="0" lvl="0" indent="0" algn="l" rtl="0">
-              <a:spcBef>
-                <a:spcPts val="0"/>
-              </a:spcBef>
-              <a:spcAft>
-                <a:spcPts val="0"/>
-              </a:spcAft>
-              <a:buNone/>
-            </a:pPr>
-            <a:r>
-              <a:rPr lang="en-US" sz="2400" dirty="0">
-                <a:solidFill>
-                  <a:schemeClr val="dk1"/>
-                </a:solidFill>
-                <a:latin typeface="Calibri"/>
-                <a:ea typeface="Calibri"/>
-                <a:cs typeface="Calibri"/>
-                <a:sym typeface="Calibri"/>
-              </a:rPr>
-              <a:t>Cor </a:t>
-            </a:r>
-            <a:r>
-              <a:rPr lang="en-US" sz="2400" dirty="0" err="1">
-                <a:solidFill>
-                  <a:schemeClr val="dk1"/>
-                </a:solidFill>
-                <a:latin typeface="Calibri"/>
-                <a:ea typeface="Calibri"/>
-                <a:cs typeface="Calibri"/>
-                <a:sym typeface="Calibri"/>
-              </a:rPr>
-              <a:t>Preta</a:t>
-            </a:r>
-            <a:r>
-              <a:rPr lang="en-US" sz="2400" dirty="0">
-                <a:solidFill>
-                  <a:schemeClr val="dk1"/>
-                </a:solidFill>
-                <a:latin typeface="Calibri"/>
-                <a:ea typeface="Calibri"/>
-                <a:cs typeface="Calibri"/>
-                <a:sym typeface="Calibri"/>
-              </a:rPr>
-              <a:t> para </a:t>
-            </a:r>
-            <a:r>
-              <a:rPr lang="en-US" sz="2400" dirty="0" err="1">
-                <a:solidFill>
-                  <a:schemeClr val="dk1"/>
-                </a:solidFill>
-                <a:latin typeface="Calibri"/>
-                <a:ea typeface="Calibri"/>
-                <a:cs typeface="Calibri"/>
-                <a:sym typeface="Calibri"/>
-              </a:rPr>
-              <a:t>títulos</a:t>
-            </a:r>
-            <a:r>
-              <a:rPr lang="en-US" sz="2400" dirty="0">
-                <a:solidFill>
-                  <a:schemeClr val="dk1"/>
-                </a:solidFill>
-                <a:latin typeface="Calibri"/>
-                <a:ea typeface="Calibri"/>
-                <a:cs typeface="Calibri"/>
-                <a:sym typeface="Calibri"/>
-              </a:rPr>
-              <a:t>:</a:t>
-            </a:r>
-            <a:endParaRPr dirty="0"/>
-          </a:p>
-          <a:p>
-            <a:pPr marL="0" marR="0" lvl="0" indent="0" algn="l" rtl="0">
-              <a:spcBef>
-                <a:spcPts val="0"/>
-              </a:spcBef>
-              <a:spcAft>
-                <a:spcPts val="0"/>
-              </a:spcAft>
-              <a:buNone/>
-            </a:pPr>
-            <a:r>
-              <a:rPr lang="en-US" sz="2400" dirty="0">
-                <a:solidFill>
-                  <a:schemeClr val="dk1"/>
-                </a:solidFill>
-                <a:latin typeface="Calibri"/>
-                <a:ea typeface="Calibri"/>
-                <a:cs typeface="Calibri"/>
-                <a:sym typeface="Calibri"/>
-              </a:rPr>
-              <a:t>RGB(0,0,0)</a:t>
-            </a:r>
-            <a:endParaRPr dirty="0"/>
-          </a:p>
-          <a:p>
-            <a:pPr marL="0" marR="0" lvl="0" indent="0" algn="l" rtl="0">
-              <a:spcBef>
-                <a:spcPts val="0"/>
-              </a:spcBef>
-              <a:spcAft>
-                <a:spcPts val="0"/>
-              </a:spcAft>
-              <a:buNone/>
-            </a:pPr>
-            <a:endParaRPr sz="2400" dirty="0">
-              <a:solidFill>
-                <a:schemeClr val="dk1"/>
-              </a:solidFill>
-              <a:latin typeface="Calibri"/>
-              <a:ea typeface="Calibri"/>
-              <a:cs typeface="Calibri"/>
-              <a:sym typeface="Calibri"/>
-            </a:endParaRPr>
-          </a:p>
-          <a:p>
-            <a:pPr marL="0" marR="0" lvl="0" indent="0" algn="l" rtl="0">
-              <a:spcBef>
-                <a:spcPts val="0"/>
-              </a:spcBef>
-              <a:spcAft>
-                <a:spcPts val="0"/>
-              </a:spcAft>
-              <a:buNone/>
-            </a:pPr>
-            <a:r>
-              <a:rPr lang="en-US" sz="2400" dirty="0" err="1">
-                <a:solidFill>
-                  <a:schemeClr val="dk1"/>
-                </a:solidFill>
-                <a:latin typeface="Calibri"/>
-                <a:ea typeface="Calibri"/>
-                <a:cs typeface="Calibri"/>
-                <a:sym typeface="Calibri"/>
-              </a:rPr>
-              <a:t>Tipos</a:t>
-            </a:r>
-            <a:r>
-              <a:rPr lang="en-US" sz="2400" dirty="0">
-                <a:solidFill>
-                  <a:schemeClr val="dk1"/>
-                </a:solidFill>
-                <a:latin typeface="Calibri"/>
-                <a:ea typeface="Calibri"/>
-                <a:cs typeface="Calibri"/>
-                <a:sym typeface="Calibri"/>
-              </a:rPr>
-              <a:t> (de </a:t>
-            </a:r>
-            <a:r>
-              <a:rPr lang="en-US" sz="2400" dirty="0" err="1">
-                <a:solidFill>
-                  <a:schemeClr val="dk1"/>
-                </a:solidFill>
-                <a:latin typeface="Calibri"/>
-                <a:ea typeface="Calibri"/>
-                <a:cs typeface="Calibri"/>
-                <a:sym typeface="Calibri"/>
-              </a:rPr>
-              <a:t>letra</a:t>
-            </a:r>
-            <a:r>
-              <a:rPr lang="en-US" sz="2400" dirty="0">
-                <a:solidFill>
-                  <a:schemeClr val="dk1"/>
-                </a:solidFill>
-                <a:latin typeface="Calibri"/>
-                <a:ea typeface="Calibri"/>
-                <a:cs typeface="Calibri"/>
-                <a:sym typeface="Calibri"/>
-              </a:rPr>
-              <a:t>):</a:t>
-            </a:r>
-            <a:endParaRPr dirty="0"/>
-          </a:p>
-          <a:p>
-            <a:pPr marL="0" marR="0" lvl="0" indent="0" algn="l" rtl="0">
-              <a:spcBef>
-                <a:spcPts val="0"/>
-              </a:spcBef>
-              <a:spcAft>
-                <a:spcPts val="0"/>
-              </a:spcAft>
-              <a:buNone/>
-            </a:pPr>
-            <a:r>
-              <a:rPr lang="en-US" sz="2400" dirty="0" err="1">
-                <a:solidFill>
-                  <a:schemeClr val="dk1"/>
-                </a:solidFill>
-                <a:latin typeface="Calibri"/>
-                <a:ea typeface="Calibri"/>
-                <a:cs typeface="Calibri"/>
-                <a:sym typeface="Calibri"/>
-              </a:rPr>
-              <a:t>Títulos</a:t>
-            </a:r>
-            <a:r>
-              <a:rPr lang="en-US" sz="2400" dirty="0">
-                <a:solidFill>
-                  <a:schemeClr val="dk1"/>
-                </a:solidFill>
-                <a:latin typeface="Calibri"/>
-                <a:ea typeface="Calibri"/>
-                <a:cs typeface="Calibri"/>
-                <a:sym typeface="Calibri"/>
-              </a:rPr>
-              <a:t> e </a:t>
-            </a:r>
-            <a:r>
-              <a:rPr lang="en-US" sz="2400" dirty="0" err="1">
-                <a:solidFill>
-                  <a:schemeClr val="dk1"/>
-                </a:solidFill>
-                <a:latin typeface="Calibri"/>
-                <a:ea typeface="Calibri"/>
-                <a:cs typeface="Calibri"/>
-                <a:sym typeface="Calibri"/>
-              </a:rPr>
-              <a:t>destaques</a:t>
-            </a:r>
-            <a:r>
-              <a:rPr lang="en-US" sz="2400" dirty="0">
-                <a:solidFill>
-                  <a:schemeClr val="dk1"/>
-                </a:solidFill>
-                <a:latin typeface="Calibri"/>
-                <a:ea typeface="Calibri"/>
-                <a:cs typeface="Calibri"/>
-                <a:sym typeface="Calibri"/>
-              </a:rPr>
-              <a:t> 🡪 Roboto Medium</a:t>
-            </a:r>
-            <a:endParaRPr dirty="0"/>
-          </a:p>
-          <a:p>
-            <a:pPr marL="0" marR="0" lvl="0" indent="0" algn="l" rtl="0">
-              <a:spcBef>
-                <a:spcPts val="0"/>
-              </a:spcBef>
-              <a:spcAft>
-                <a:spcPts val="0"/>
-              </a:spcAft>
-              <a:buNone/>
-            </a:pPr>
-            <a:endParaRPr sz="2400" dirty="0">
-              <a:solidFill>
-                <a:schemeClr val="dk1"/>
-              </a:solidFill>
-              <a:latin typeface="Calibri"/>
-              <a:ea typeface="Calibri"/>
-              <a:cs typeface="Calibri"/>
-              <a:sym typeface="Calibri"/>
-            </a:endParaRPr>
-          </a:p>
-          <a:p>
-            <a:pPr marL="0" marR="0" lvl="0" indent="0" algn="l" rtl="0">
-              <a:spcBef>
-                <a:spcPts val="0"/>
-              </a:spcBef>
-              <a:spcAft>
-                <a:spcPts val="0"/>
-              </a:spcAft>
-              <a:buNone/>
-            </a:pPr>
-            <a:r>
-              <a:rPr lang="en-US" sz="2400" dirty="0" err="1">
-                <a:solidFill>
-                  <a:schemeClr val="dk1"/>
-                </a:solidFill>
-                <a:latin typeface="Calibri"/>
-                <a:ea typeface="Calibri"/>
-                <a:cs typeface="Calibri"/>
-                <a:sym typeface="Calibri"/>
-              </a:rPr>
-              <a:t>Corpo</a:t>
-            </a:r>
-            <a:r>
-              <a:rPr lang="en-US" sz="2400" dirty="0">
-                <a:solidFill>
-                  <a:schemeClr val="dk1"/>
-                </a:solidFill>
-                <a:latin typeface="Calibri"/>
-                <a:ea typeface="Calibri"/>
-                <a:cs typeface="Calibri"/>
-                <a:sym typeface="Calibri"/>
-              </a:rPr>
-              <a:t> do </a:t>
-            </a:r>
-            <a:r>
-              <a:rPr lang="en-US" sz="2400" dirty="0" err="1">
-                <a:solidFill>
-                  <a:schemeClr val="dk1"/>
-                </a:solidFill>
-                <a:latin typeface="Calibri"/>
-                <a:ea typeface="Calibri"/>
-                <a:cs typeface="Calibri"/>
-                <a:sym typeface="Calibri"/>
-              </a:rPr>
-              <a:t>texto</a:t>
-            </a:r>
-            <a:r>
-              <a:rPr lang="en-US" sz="2400" dirty="0">
-                <a:solidFill>
-                  <a:schemeClr val="dk1"/>
-                </a:solidFill>
-                <a:latin typeface="Calibri"/>
-                <a:ea typeface="Calibri"/>
-                <a:cs typeface="Calibri"/>
-                <a:sym typeface="Calibri"/>
-              </a:rPr>
-              <a:t> 🡪  Roboto Light  </a:t>
-            </a:r>
-            <a:endParaRPr dirty="0"/>
-          </a:p>
-          <a:p>
-            <a:pPr marL="0" marR="0" lvl="0" indent="0" algn="l" rtl="0">
-              <a:spcBef>
-                <a:spcPts val="0"/>
-              </a:spcBef>
-              <a:spcAft>
-                <a:spcPts val="0"/>
-              </a:spcAft>
-              <a:buNone/>
-            </a:pPr>
-            <a:endParaRPr sz="2400" dirty="0">
-              <a:solidFill>
-                <a:schemeClr val="dk1"/>
-              </a:solidFill>
-              <a:latin typeface="Calibri"/>
-              <a:ea typeface="Calibri"/>
-              <a:cs typeface="Calibri"/>
-              <a:sym typeface="Calibri"/>
-            </a:endParaRPr>
-          </a:p>
-          <a:p>
-            <a:pPr marL="0" marR="0" lvl="0" indent="0" algn="l" rtl="0">
-              <a:spcBef>
-                <a:spcPts val="0"/>
-              </a:spcBef>
-              <a:spcAft>
-                <a:spcPts val="0"/>
-              </a:spcAft>
-              <a:buNone/>
-            </a:pPr>
-            <a:r>
-              <a:rPr lang="en-US" sz="2400" dirty="0">
-                <a:solidFill>
-                  <a:schemeClr val="dk1"/>
-                </a:solidFill>
-                <a:latin typeface="Calibri"/>
-                <a:ea typeface="Calibri"/>
-                <a:cs typeface="Calibri"/>
-                <a:sym typeface="Calibri"/>
-              </a:rPr>
-              <a:t>(</a:t>
-            </a:r>
-            <a:r>
-              <a:rPr lang="en-US" sz="2400" dirty="0" err="1">
-                <a:solidFill>
-                  <a:schemeClr val="dk1"/>
-                </a:solidFill>
-                <a:latin typeface="Calibri"/>
-                <a:ea typeface="Calibri"/>
-                <a:cs typeface="Calibri"/>
-                <a:sym typeface="Calibri"/>
-              </a:rPr>
-              <a:t>evitar</a:t>
-            </a:r>
-            <a:r>
-              <a:rPr lang="en-US" sz="2400" dirty="0">
-                <a:solidFill>
-                  <a:schemeClr val="dk1"/>
-                </a:solidFill>
-                <a:latin typeface="Calibri"/>
-                <a:ea typeface="Calibri"/>
-                <a:cs typeface="Calibri"/>
-                <a:sym typeface="Calibri"/>
-              </a:rPr>
-              <a:t> o </a:t>
-            </a:r>
-            <a:r>
-              <a:rPr lang="en-US" sz="2400" dirty="0" err="1">
-                <a:solidFill>
-                  <a:schemeClr val="dk1"/>
-                </a:solidFill>
-                <a:latin typeface="Calibri"/>
-                <a:ea typeface="Calibri"/>
-                <a:cs typeface="Calibri"/>
-                <a:sym typeface="Calibri"/>
-              </a:rPr>
-              <a:t>uso</a:t>
-            </a:r>
-            <a:r>
-              <a:rPr lang="en-US" sz="2400" dirty="0">
-                <a:solidFill>
-                  <a:schemeClr val="dk1"/>
-                </a:solidFill>
-                <a:latin typeface="Calibri"/>
-                <a:ea typeface="Calibri"/>
-                <a:cs typeface="Calibri"/>
-                <a:sym typeface="Calibri"/>
-              </a:rPr>
-              <a:t> de bold; usar Roboto Medium em </a:t>
-            </a:r>
-            <a:r>
-              <a:rPr lang="en-US" sz="2400" dirty="0" err="1">
-                <a:solidFill>
-                  <a:schemeClr val="dk1"/>
-                </a:solidFill>
-                <a:latin typeface="Calibri"/>
-                <a:ea typeface="Calibri"/>
-                <a:cs typeface="Calibri"/>
-                <a:sym typeface="Calibri"/>
-              </a:rPr>
-              <a:t>alternativa</a:t>
-            </a:r>
-            <a:r>
-              <a:rPr lang="en-US" sz="2400" dirty="0">
-                <a:solidFill>
-                  <a:schemeClr val="dk1"/>
-                </a:solidFill>
-                <a:latin typeface="Calibri"/>
-                <a:ea typeface="Calibri"/>
-                <a:cs typeface="Calibri"/>
-                <a:sym typeface="Calibri"/>
-              </a:rPr>
-              <a:t>)</a:t>
-            </a:r>
-            <a:endParaRPr dirty="0"/>
-          </a:p>
-          <a:p>
-            <a:pPr marL="0" marR="0" lvl="0" indent="0" algn="l" rtl="0">
-              <a:spcBef>
-                <a:spcPts val="0"/>
-              </a:spcBef>
-              <a:spcAft>
-                <a:spcPts val="0"/>
-              </a:spcAft>
-              <a:buNone/>
-            </a:pPr>
-            <a:endParaRPr sz="2400" dirty="0">
-              <a:solidFill>
-                <a:schemeClr val="dk1"/>
-              </a:solidFill>
-              <a:latin typeface="Calibri"/>
-              <a:ea typeface="Calibri"/>
-              <a:cs typeface="Calibri"/>
-              <a:sym typeface="Calibri"/>
-            </a:endParaRPr>
-          </a:p>
-          <a:p>
-            <a:pPr marL="0" marR="0" lvl="0" indent="0" algn="l" rtl="0">
-              <a:spcBef>
-                <a:spcPts val="0"/>
-              </a:spcBef>
-              <a:spcAft>
-                <a:spcPts val="0"/>
-              </a:spcAft>
-              <a:buNone/>
-            </a:pPr>
-            <a:r>
-              <a:rPr lang="en-US" sz="2400" b="1" dirty="0">
-                <a:solidFill>
-                  <a:schemeClr val="dk1"/>
-                </a:solidFill>
-                <a:latin typeface="Calibri"/>
-                <a:ea typeface="Calibri"/>
-                <a:cs typeface="Calibri"/>
-                <a:sym typeface="Calibri"/>
-              </a:rPr>
-              <a:t>FORMATO OBRIGATÓRIO: A2</a:t>
-            </a:r>
-            <a:endParaRPr sz="2400" b="1" dirty="0">
-              <a:solidFill>
-                <a:schemeClr val="dk1"/>
-              </a:solidFill>
-              <a:latin typeface="Calibri"/>
-              <a:ea typeface="Calibri"/>
-              <a:cs typeface="Calibri"/>
-              <a:sym typeface="Calibri"/>
-            </a:endParaRPr>
-          </a:p>
-          <a:p>
-            <a:pPr marL="0" marR="0" lvl="0" indent="0" algn="l" rtl="0">
-              <a:spcBef>
-                <a:spcPts val="0"/>
-              </a:spcBef>
-              <a:spcAft>
-                <a:spcPts val="0"/>
-              </a:spcAft>
-              <a:buNone/>
-            </a:pPr>
-            <a:endParaRPr sz="2400" dirty="0">
-              <a:solidFill>
-                <a:srgbClr val="1A439B"/>
-              </a:solidFill>
-              <a:latin typeface="Calibri"/>
-              <a:ea typeface="Calibri"/>
-              <a:cs typeface="Calibri"/>
-              <a:sym typeface="Calibri"/>
-            </a:endParaRPr>
-          </a:p>
-        </p:txBody>
-      </p:sp>
-      <p:sp>
-        <p:nvSpPr>
-          <p:cNvPr id="100" name="Google Shape;100;p1"/>
-          <p:cNvSpPr/>
-          <p:nvPr/>
-        </p:nvSpPr>
-        <p:spPr>
-          <a:xfrm>
-            <a:off x="-5293964" y="6319837"/>
-            <a:ext cx="4780407" cy="3489325"/>
-          </a:xfrm>
-          <a:prstGeom prst="rightArrowCallout">
-            <a:avLst>
-              <a:gd name="adj1" fmla="val 18349"/>
-              <a:gd name="adj2" fmla="val 25000"/>
-              <a:gd name="adj3" fmla="val 25000"/>
-              <a:gd name="adj4" fmla="val 73346"/>
-            </a:avLst>
-          </a:prstGeom>
-          <a:solidFill>
-            <a:srgbClr val="C4E0B2"/>
-          </a:solidFill>
-          <a:ln w="9525" cap="flat" cmpd="sng">
-            <a:solidFill>
-              <a:schemeClr val="dk1"/>
-            </a:solidFill>
-            <a:prstDash val="solid"/>
-            <a:round/>
-            <a:headEnd type="none" w="sm" len="sm"/>
-            <a:tailEnd type="none" w="sm" len="sm"/>
-          </a:ln>
-        </p:spPr>
-        <p:txBody>
-          <a:bodyPr spcFirstLastPara="1" wrap="square" lIns="91425" tIns="45700" rIns="91425" bIns="45700" anchor="t" anchorCtr="0">
-            <a:noAutofit/>
-          </a:bodyPr>
-          <a:lstStyle/>
-          <a:p>
-            <a:pPr marL="0" marR="0" lvl="0" indent="0" algn="l" rtl="0">
-              <a:spcBef>
-                <a:spcPts val="0"/>
-              </a:spcBef>
-              <a:spcAft>
-                <a:spcPts val="0"/>
-              </a:spcAft>
-              <a:buNone/>
-            </a:pPr>
-            <a:r>
-              <a:rPr lang="en-US" sz="2400" dirty="0" err="1">
-                <a:solidFill>
-                  <a:schemeClr val="dk1"/>
-                </a:solidFill>
-                <a:latin typeface="Calibri"/>
-                <a:ea typeface="Calibri"/>
-                <a:cs typeface="Calibri"/>
-                <a:sym typeface="Calibri"/>
-              </a:rPr>
-              <a:t>Área</a:t>
-            </a:r>
-            <a:r>
-              <a:rPr lang="en-US" sz="2400" dirty="0">
-                <a:solidFill>
-                  <a:schemeClr val="dk1"/>
-                </a:solidFill>
-                <a:latin typeface="Calibri"/>
-                <a:ea typeface="Calibri"/>
-                <a:cs typeface="Calibri"/>
-                <a:sym typeface="Calibri"/>
-              </a:rPr>
-              <a:t> para o </a:t>
-            </a:r>
-            <a:r>
-              <a:rPr lang="en-US" sz="3200" dirty="0">
-                <a:solidFill>
-                  <a:schemeClr val="dk1"/>
-                </a:solidFill>
-                <a:latin typeface="Calibri"/>
-                <a:ea typeface="Calibri"/>
-                <a:cs typeface="Calibri"/>
-                <a:sym typeface="Calibri"/>
-              </a:rPr>
-              <a:t>logo</a:t>
-            </a:r>
-            <a:r>
-              <a:rPr lang="en-US" sz="2400" dirty="0">
-                <a:solidFill>
-                  <a:schemeClr val="dk1"/>
-                </a:solidFill>
-                <a:latin typeface="Calibri"/>
-                <a:ea typeface="Calibri"/>
-                <a:cs typeface="Calibri"/>
-                <a:sym typeface="Calibri"/>
-              </a:rPr>
-              <a:t> do </a:t>
-            </a:r>
-            <a:r>
-              <a:rPr lang="en-US" sz="2400" dirty="0" err="1">
-                <a:solidFill>
-                  <a:schemeClr val="dk1"/>
-                </a:solidFill>
-                <a:latin typeface="Calibri"/>
-                <a:ea typeface="Calibri"/>
-                <a:cs typeface="Calibri"/>
-                <a:sym typeface="Calibri"/>
-              </a:rPr>
-              <a:t>projeto</a:t>
-            </a:r>
-            <a:r>
-              <a:rPr lang="en-US" sz="2400" dirty="0">
-                <a:solidFill>
-                  <a:schemeClr val="dk1"/>
-                </a:solidFill>
-                <a:latin typeface="Calibri"/>
-                <a:ea typeface="Calibri"/>
-                <a:cs typeface="Calibri"/>
-                <a:sym typeface="Calibri"/>
-              </a:rPr>
-              <a:t>/</a:t>
-            </a:r>
-            <a:r>
-              <a:rPr lang="en-US" sz="2400" dirty="0" err="1">
-                <a:solidFill>
-                  <a:schemeClr val="dk1"/>
-                </a:solidFill>
-                <a:latin typeface="Calibri"/>
-                <a:ea typeface="Calibri"/>
-                <a:cs typeface="Calibri"/>
-                <a:sym typeface="Calibri"/>
-              </a:rPr>
-              <a:t>trabalho</a:t>
-            </a:r>
-            <a:r>
-              <a:rPr lang="en-US" sz="2400" dirty="0">
-                <a:solidFill>
-                  <a:schemeClr val="dk1"/>
-                </a:solidFill>
-                <a:latin typeface="Calibri"/>
-                <a:ea typeface="Calibri"/>
-                <a:cs typeface="Calibri"/>
-                <a:sym typeface="Calibri"/>
-              </a:rPr>
-              <a:t>, se </a:t>
-            </a:r>
-            <a:r>
-              <a:rPr lang="en-US" sz="2400" dirty="0" err="1">
-                <a:solidFill>
-                  <a:schemeClr val="dk1"/>
-                </a:solidFill>
-                <a:latin typeface="Calibri"/>
-                <a:ea typeface="Calibri"/>
-                <a:cs typeface="Calibri"/>
-                <a:sym typeface="Calibri"/>
-              </a:rPr>
-              <a:t>aplicável</a:t>
-            </a:r>
-            <a:r>
-              <a:rPr lang="en-US" sz="2400" dirty="0">
-                <a:solidFill>
-                  <a:schemeClr val="dk1"/>
-                </a:solidFill>
-                <a:latin typeface="Calibri"/>
-                <a:ea typeface="Calibri"/>
-                <a:cs typeface="Calibri"/>
-                <a:sym typeface="Calibri"/>
-              </a:rPr>
-              <a:t>. Deve </a:t>
-            </a:r>
-            <a:r>
-              <a:rPr lang="en-US" sz="2400" dirty="0" err="1">
-                <a:solidFill>
-                  <a:schemeClr val="dk1"/>
-                </a:solidFill>
-                <a:latin typeface="Calibri"/>
-                <a:ea typeface="Calibri"/>
-                <a:cs typeface="Calibri"/>
-                <a:sym typeface="Calibri"/>
-              </a:rPr>
-              <a:t>ficar</a:t>
-            </a:r>
-            <a:r>
-              <a:rPr lang="en-US" sz="2400" dirty="0">
-                <a:solidFill>
-                  <a:schemeClr val="dk1"/>
-                </a:solidFill>
-                <a:latin typeface="Calibri"/>
-                <a:ea typeface="Calibri"/>
-                <a:cs typeface="Calibri"/>
-                <a:sym typeface="Calibri"/>
-              </a:rPr>
-              <a:t> </a:t>
-            </a:r>
-            <a:r>
-              <a:rPr lang="en-US" sz="2400" dirty="0" err="1">
-                <a:solidFill>
-                  <a:schemeClr val="dk1"/>
-                </a:solidFill>
-                <a:latin typeface="Calibri"/>
-                <a:ea typeface="Calibri"/>
-                <a:cs typeface="Calibri"/>
-                <a:sym typeface="Calibri"/>
-              </a:rPr>
-              <a:t>delimitado</a:t>
-            </a:r>
-            <a:r>
-              <a:rPr lang="en-US" sz="2400" dirty="0">
-                <a:solidFill>
-                  <a:schemeClr val="dk1"/>
-                </a:solidFill>
-                <a:latin typeface="Calibri"/>
-                <a:ea typeface="Calibri"/>
-                <a:cs typeface="Calibri"/>
-                <a:sym typeface="Calibri"/>
-              </a:rPr>
-              <a:t> </a:t>
-            </a:r>
-            <a:r>
-              <a:rPr lang="en-US" sz="2400" dirty="0" err="1">
-                <a:solidFill>
-                  <a:schemeClr val="dk1"/>
-                </a:solidFill>
-                <a:latin typeface="Calibri"/>
-                <a:ea typeface="Calibri"/>
-                <a:cs typeface="Calibri"/>
-                <a:sym typeface="Calibri"/>
-              </a:rPr>
-              <a:t>pelo</a:t>
-            </a:r>
-            <a:r>
-              <a:rPr lang="en-US" sz="2400" dirty="0">
-                <a:solidFill>
-                  <a:schemeClr val="dk1"/>
-                </a:solidFill>
-                <a:latin typeface="Calibri"/>
-                <a:ea typeface="Calibri"/>
-                <a:cs typeface="Calibri"/>
-                <a:sym typeface="Calibri"/>
-              </a:rPr>
-              <a:t> </a:t>
-            </a:r>
-            <a:r>
-              <a:rPr lang="en-US" sz="2400" dirty="0" err="1">
-                <a:solidFill>
-                  <a:schemeClr val="dk1"/>
-                </a:solidFill>
-                <a:latin typeface="Calibri"/>
-                <a:ea typeface="Calibri"/>
-                <a:cs typeface="Calibri"/>
-                <a:sym typeface="Calibri"/>
-              </a:rPr>
-              <a:t>quadrado</a:t>
-            </a:r>
-            <a:r>
-              <a:rPr lang="en-US" sz="2400" dirty="0">
-                <a:solidFill>
-                  <a:schemeClr val="dk1"/>
-                </a:solidFill>
-                <a:latin typeface="Calibri"/>
-                <a:ea typeface="Calibri"/>
-                <a:cs typeface="Calibri"/>
-                <a:sym typeface="Calibri"/>
-              </a:rPr>
-              <a:t> </a:t>
-            </a:r>
-            <a:r>
-              <a:rPr lang="en-US" sz="2400" dirty="0" err="1">
-                <a:solidFill>
-                  <a:schemeClr val="dk1"/>
-                </a:solidFill>
-                <a:latin typeface="Calibri"/>
-                <a:ea typeface="Calibri"/>
-                <a:cs typeface="Calibri"/>
-                <a:sym typeface="Calibri"/>
-              </a:rPr>
-              <a:t>indicado</a:t>
-            </a:r>
-            <a:r>
-              <a:rPr lang="en-US" sz="2400" dirty="0">
-                <a:solidFill>
-                  <a:schemeClr val="dk1"/>
-                </a:solidFill>
-                <a:latin typeface="Calibri"/>
-                <a:ea typeface="Calibri"/>
-                <a:cs typeface="Calibri"/>
-                <a:sym typeface="Calibri"/>
-              </a:rPr>
-              <a:t> </a:t>
-            </a:r>
-            <a:r>
-              <a:rPr lang="en-US" sz="2400" dirty="0" err="1">
-                <a:solidFill>
-                  <a:schemeClr val="dk1"/>
-                </a:solidFill>
-                <a:latin typeface="Calibri"/>
-                <a:ea typeface="Calibri"/>
-                <a:cs typeface="Calibri"/>
-                <a:sym typeface="Calibri"/>
-              </a:rPr>
-              <a:t>pelas</a:t>
-            </a:r>
-            <a:r>
-              <a:rPr lang="en-US" sz="2400" dirty="0">
-                <a:solidFill>
-                  <a:schemeClr val="dk1"/>
-                </a:solidFill>
-                <a:latin typeface="Calibri"/>
-                <a:ea typeface="Calibri"/>
-                <a:cs typeface="Calibri"/>
-                <a:sym typeface="Calibri"/>
-              </a:rPr>
-              <a:t> </a:t>
-            </a:r>
-            <a:r>
-              <a:rPr lang="en-US" sz="2400" dirty="0" err="1">
-                <a:solidFill>
-                  <a:schemeClr val="dk1"/>
-                </a:solidFill>
-                <a:latin typeface="Calibri"/>
-                <a:ea typeface="Calibri"/>
-                <a:cs typeface="Calibri"/>
-                <a:sym typeface="Calibri"/>
-              </a:rPr>
-              <a:t>guias</a:t>
-            </a:r>
-            <a:r>
-              <a:rPr lang="en-US" sz="2400" dirty="0">
-                <a:solidFill>
-                  <a:schemeClr val="dk1"/>
-                </a:solidFill>
-                <a:latin typeface="Calibri"/>
-                <a:ea typeface="Calibri"/>
-                <a:cs typeface="Calibri"/>
-                <a:sym typeface="Calibri"/>
-              </a:rPr>
-              <a:t>.</a:t>
-            </a:r>
-            <a:endParaRPr dirty="0"/>
-          </a:p>
-          <a:p>
-            <a:pPr marL="0" marR="0" lvl="0" indent="0" algn="l" rtl="0">
-              <a:spcBef>
-                <a:spcPts val="0"/>
-              </a:spcBef>
-              <a:spcAft>
-                <a:spcPts val="0"/>
-              </a:spcAft>
-              <a:buNone/>
-            </a:pPr>
-            <a:r>
-              <a:rPr lang="en-US" sz="2400" dirty="0">
-                <a:solidFill>
-                  <a:schemeClr val="dk1"/>
-                </a:solidFill>
-                <a:latin typeface="Calibri"/>
-                <a:ea typeface="Calibri"/>
-                <a:cs typeface="Calibri"/>
-                <a:sym typeface="Calibri"/>
-              </a:rPr>
-              <a:t>(</a:t>
-            </a:r>
-            <a:r>
-              <a:rPr lang="en-US" sz="2400" dirty="0" err="1">
-                <a:solidFill>
-                  <a:schemeClr val="dk1"/>
-                </a:solidFill>
-                <a:latin typeface="Calibri"/>
-                <a:ea typeface="Calibri"/>
-                <a:cs typeface="Calibri"/>
-                <a:sym typeface="Calibri"/>
-              </a:rPr>
-              <a:t>activar</a:t>
-            </a:r>
-            <a:r>
-              <a:rPr lang="en-US" sz="2400" dirty="0">
-                <a:solidFill>
-                  <a:schemeClr val="dk1"/>
-                </a:solidFill>
-                <a:latin typeface="Calibri"/>
-                <a:ea typeface="Calibri"/>
-                <a:cs typeface="Calibri"/>
-                <a:sym typeface="Calibri"/>
-              </a:rPr>
-              <a:t> a </a:t>
-            </a:r>
-            <a:r>
-              <a:rPr lang="en-US" sz="2400" dirty="0" err="1">
-                <a:solidFill>
-                  <a:schemeClr val="dk1"/>
-                </a:solidFill>
-                <a:latin typeface="Calibri"/>
-                <a:ea typeface="Calibri"/>
-                <a:cs typeface="Calibri"/>
-                <a:sym typeface="Calibri"/>
-              </a:rPr>
-              <a:t>visualização</a:t>
-            </a:r>
-            <a:r>
-              <a:rPr lang="en-US" sz="2400" dirty="0">
-                <a:solidFill>
-                  <a:schemeClr val="dk1"/>
-                </a:solidFill>
-                <a:latin typeface="Calibri"/>
-                <a:ea typeface="Calibri"/>
-                <a:cs typeface="Calibri"/>
-                <a:sym typeface="Calibri"/>
-              </a:rPr>
-              <a:t> das </a:t>
-            </a:r>
-            <a:r>
-              <a:rPr lang="en-US" sz="2400" dirty="0" err="1">
-                <a:solidFill>
-                  <a:schemeClr val="dk1"/>
-                </a:solidFill>
-                <a:latin typeface="Calibri"/>
-                <a:ea typeface="Calibri"/>
-                <a:cs typeface="Calibri"/>
-                <a:sym typeface="Calibri"/>
-              </a:rPr>
-              <a:t>guias</a:t>
-            </a:r>
-            <a:r>
-              <a:rPr lang="en-US" sz="2400" dirty="0">
-                <a:solidFill>
-                  <a:schemeClr val="dk1"/>
-                </a:solidFill>
-                <a:latin typeface="Calibri"/>
-                <a:ea typeface="Calibri"/>
-                <a:cs typeface="Calibri"/>
-                <a:sym typeface="Calibri"/>
-              </a:rPr>
-              <a:t>)</a:t>
-            </a:r>
-            <a:endParaRPr dirty="0"/>
-          </a:p>
-          <a:p>
-            <a:pPr marL="0" marR="0" lvl="0" indent="0" algn="l" rtl="0">
-              <a:spcBef>
-                <a:spcPts val="0"/>
-              </a:spcBef>
-              <a:spcAft>
-                <a:spcPts val="0"/>
-              </a:spcAft>
-              <a:buNone/>
-            </a:pPr>
-            <a:endParaRPr sz="2400" dirty="0">
-              <a:solidFill>
-                <a:srgbClr val="1A439B"/>
-              </a:solidFill>
-              <a:latin typeface="Calibri"/>
-              <a:ea typeface="Calibri"/>
-              <a:cs typeface="Calibri"/>
-              <a:sym typeface="Calibri"/>
-            </a:endParaRPr>
-          </a:p>
-        </p:txBody>
-      </p:sp>
-      <p:sp>
-        <p:nvSpPr>
-          <p:cNvPr id="101" name="Google Shape;101;p1"/>
-          <p:cNvSpPr/>
-          <p:nvPr/>
-        </p:nvSpPr>
-        <p:spPr>
-          <a:xfrm>
-            <a:off x="-4170352" y="12338610"/>
-            <a:ext cx="3384376" cy="2373562"/>
-          </a:xfrm>
-          <a:prstGeom prst="rightArrowCallout">
-            <a:avLst>
-              <a:gd name="adj1" fmla="val 19954"/>
-              <a:gd name="adj2" fmla="val 26605"/>
-              <a:gd name="adj3" fmla="val 25000"/>
-              <a:gd name="adj4" fmla="val 75672"/>
-            </a:avLst>
-          </a:prstGeom>
-          <a:solidFill>
-            <a:srgbClr val="C4E0B2"/>
-          </a:solidFill>
-          <a:ln w="9525" cap="flat" cmpd="sng">
-            <a:solidFill>
-              <a:schemeClr val="dk1"/>
-            </a:solidFill>
-            <a:prstDash val="solid"/>
-            <a:round/>
-            <a:headEnd type="none" w="sm" len="sm"/>
-            <a:tailEnd type="none" w="sm" len="sm"/>
-          </a:ln>
-        </p:spPr>
-        <p:txBody>
-          <a:bodyPr spcFirstLastPara="1" wrap="square" lIns="91425" tIns="45700" rIns="91425" bIns="45700" anchor="t" anchorCtr="0">
-            <a:noAutofit/>
-          </a:bodyPr>
-          <a:lstStyle/>
-          <a:p>
-            <a:pPr marL="0" marR="0" lvl="0" indent="0" algn="l" rtl="0">
-              <a:spcBef>
-                <a:spcPts val="0"/>
-              </a:spcBef>
-              <a:spcAft>
-                <a:spcPts val="0"/>
-              </a:spcAft>
-              <a:buNone/>
-            </a:pPr>
-            <a:r>
-              <a:rPr lang="en-US" sz="2400">
-                <a:solidFill>
-                  <a:schemeClr val="dk1"/>
-                </a:solidFill>
-                <a:latin typeface="Calibri"/>
-                <a:ea typeface="Calibri"/>
-                <a:cs typeface="Calibri"/>
-                <a:sym typeface="Calibri"/>
-              </a:rPr>
-              <a:t>Coluna vertical (à esquerda) deve ficar vazia</a:t>
-            </a:r>
-            <a:endParaRPr sz="2400">
-              <a:solidFill>
-                <a:schemeClr val="dk1"/>
-              </a:solidFill>
-              <a:latin typeface="Calibri"/>
-              <a:ea typeface="Calibri"/>
-              <a:cs typeface="Calibri"/>
-              <a:sym typeface="Calibri"/>
-            </a:endParaRPr>
-          </a:p>
-        </p:txBody>
-      </p:sp>
-      <p:sp>
-        <p:nvSpPr>
-          <p:cNvPr id="102" name="Google Shape;102;p1"/>
-          <p:cNvSpPr/>
-          <p:nvPr/>
-        </p:nvSpPr>
-        <p:spPr>
-          <a:xfrm>
-            <a:off x="-7986776" y="15930022"/>
-            <a:ext cx="7200800" cy="4416614"/>
-          </a:xfrm>
-          <a:prstGeom prst="wedgeRectCallout">
-            <a:avLst>
-              <a:gd name="adj1" fmla="val 41836"/>
-              <a:gd name="adj2" fmla="val 70158"/>
-            </a:avLst>
-          </a:prstGeom>
-          <a:solidFill>
-            <a:srgbClr val="C4E0B2"/>
-          </a:solidFill>
-          <a:ln w="9525" cap="flat" cmpd="sng">
-            <a:solidFill>
-              <a:schemeClr val="dk1"/>
-            </a:solidFill>
-            <a:prstDash val="solid"/>
-            <a:round/>
-            <a:headEnd type="none" w="sm" len="sm"/>
-            <a:tailEnd type="none" w="sm" len="sm"/>
-          </a:ln>
-        </p:spPr>
-        <p:txBody>
-          <a:bodyPr spcFirstLastPara="1" wrap="square" lIns="91425" tIns="45700" rIns="91425" bIns="45700" anchor="t" anchorCtr="0">
-            <a:noAutofit/>
-          </a:bodyPr>
-          <a:lstStyle/>
-          <a:p>
-            <a:pPr marL="0" marR="0" lvl="0" indent="0" algn="l" rtl="0">
-              <a:lnSpc>
-                <a:spcPct val="100000"/>
-              </a:lnSpc>
-              <a:spcBef>
-                <a:spcPts val="0"/>
-              </a:spcBef>
-              <a:spcAft>
-                <a:spcPts val="0"/>
-              </a:spcAft>
-              <a:buClr>
-                <a:schemeClr val="dk1"/>
-              </a:buClr>
-              <a:buSzPts val="2400"/>
-              <a:buFont typeface="Calibri"/>
-              <a:buNone/>
-            </a:pPr>
-            <a:r>
-              <a:rPr lang="en-US" sz="2400" b="0" i="0" u="none" strike="noStrike" cap="none">
-                <a:solidFill>
-                  <a:schemeClr val="dk1"/>
-                </a:solidFill>
-                <a:latin typeface="Calibri"/>
-                <a:ea typeface="Calibri"/>
-                <a:cs typeface="Calibri"/>
-                <a:sym typeface="Calibri"/>
-              </a:rPr>
-              <a:t>Produção do PDF da versão final:</a:t>
-            </a:r>
-            <a:endParaRPr/>
-          </a:p>
-          <a:p>
-            <a:pPr marL="342900" marR="0" lvl="0" indent="-342900" algn="l" rtl="0">
-              <a:lnSpc>
-                <a:spcPct val="100000"/>
-              </a:lnSpc>
-              <a:spcBef>
-                <a:spcPts val="0"/>
-              </a:spcBef>
-              <a:spcAft>
-                <a:spcPts val="0"/>
-              </a:spcAft>
-              <a:buClr>
-                <a:schemeClr val="dk1"/>
-              </a:buClr>
-              <a:buSzPts val="2400"/>
-              <a:buFont typeface="Arial"/>
-              <a:buChar char="•"/>
-            </a:pPr>
-            <a:r>
-              <a:rPr lang="en-US" sz="2400">
-                <a:solidFill>
-                  <a:schemeClr val="dk1"/>
-                </a:solidFill>
-                <a:latin typeface="Calibri"/>
-                <a:ea typeface="Calibri"/>
-                <a:cs typeface="Calibri"/>
-                <a:sym typeface="Calibri"/>
-              </a:rPr>
-              <a:t>atenção à qualidade das imagens originais: pelo menos 300dpi (cores) ou 600dpi (escala de cinzentos).</a:t>
-            </a:r>
-            <a:endParaRPr/>
-          </a:p>
-          <a:p>
-            <a:pPr marL="342900" marR="0" lvl="0" indent="-342900" algn="l" rtl="0">
-              <a:lnSpc>
-                <a:spcPct val="100000"/>
-              </a:lnSpc>
-              <a:spcBef>
-                <a:spcPts val="0"/>
-              </a:spcBef>
-              <a:spcAft>
-                <a:spcPts val="0"/>
-              </a:spcAft>
-              <a:buClr>
-                <a:schemeClr val="dk1"/>
-              </a:buClr>
-              <a:buSzPts val="2400"/>
-              <a:buFont typeface="Arial"/>
-              <a:buChar char="•"/>
-            </a:pPr>
-            <a:r>
-              <a:rPr lang="en-US" sz="2400" b="0" i="0" u="none" strike="noStrike" cap="none">
-                <a:solidFill>
-                  <a:schemeClr val="dk1"/>
-                </a:solidFill>
-                <a:latin typeface="Calibri"/>
-                <a:ea typeface="Calibri"/>
-                <a:cs typeface="Calibri"/>
-                <a:sym typeface="Calibri"/>
-              </a:rPr>
-              <a:t>o </a:t>
-            </a:r>
-            <a:r>
-              <a:rPr lang="en-US" sz="2400">
-                <a:solidFill>
-                  <a:schemeClr val="dk1"/>
-                </a:solidFill>
-                <a:latin typeface="Calibri"/>
-                <a:ea typeface="Calibri"/>
-                <a:cs typeface="Calibri"/>
-                <a:sym typeface="Calibri"/>
-              </a:rPr>
-              <a:t>Office 2021 permite exportar PDF (File&gt;Export&gt;Create PDF). Selecionar: Optimize for Printing</a:t>
-            </a:r>
-            <a:endParaRPr/>
-          </a:p>
-          <a:p>
-            <a:pPr marL="342900" marR="0" lvl="0" indent="-342900" algn="l" rtl="0">
-              <a:lnSpc>
-                <a:spcPct val="100000"/>
-              </a:lnSpc>
-              <a:spcBef>
-                <a:spcPts val="0"/>
-              </a:spcBef>
-              <a:spcAft>
-                <a:spcPts val="0"/>
-              </a:spcAft>
-              <a:buClr>
-                <a:schemeClr val="dk1"/>
-              </a:buClr>
-              <a:buSzPts val="2400"/>
-              <a:buFont typeface="Arial"/>
-              <a:buChar char="•"/>
-            </a:pPr>
-            <a:r>
-              <a:rPr lang="en-US" sz="2400">
-                <a:solidFill>
-                  <a:schemeClr val="dk1"/>
-                </a:solidFill>
-                <a:latin typeface="Calibri"/>
-                <a:ea typeface="Calibri"/>
-                <a:cs typeface="Calibri"/>
-                <a:sym typeface="Calibri"/>
-              </a:rPr>
-              <a:t>Conferir que o PDF produzido tem a qualidade pretendida:  fazer zoom a 400% e confirmar o aspeto dos elementos do poster.</a:t>
-            </a:r>
-            <a:endParaRPr/>
-          </a:p>
-          <a:p>
-            <a:pPr marL="342900" marR="0" lvl="0" indent="-190500" algn="l" rtl="0">
-              <a:lnSpc>
-                <a:spcPct val="100000"/>
-              </a:lnSpc>
-              <a:spcBef>
-                <a:spcPts val="0"/>
-              </a:spcBef>
-              <a:spcAft>
-                <a:spcPts val="0"/>
-              </a:spcAft>
-              <a:buClr>
-                <a:schemeClr val="dk1"/>
-              </a:buClr>
-              <a:buSzPts val="2400"/>
-              <a:buFont typeface="Arial"/>
-              <a:buNone/>
-            </a:pPr>
-            <a:endParaRPr sz="2400" b="0" i="0" u="none" strike="noStrike" cap="none">
-              <a:solidFill>
-                <a:schemeClr val="dk1"/>
-              </a:solidFill>
-              <a:latin typeface="Calibri"/>
-              <a:ea typeface="Calibri"/>
-              <a:cs typeface="Calibri"/>
-              <a:sym typeface="Calibri"/>
-            </a:endParaRPr>
-          </a:p>
-        </p:txBody>
-      </p:sp>
-      <p:sp>
-        <p:nvSpPr>
-          <p:cNvPr id="103" name="Google Shape;103;p1"/>
-          <p:cNvSpPr/>
-          <p:nvPr/>
-        </p:nvSpPr>
-        <p:spPr>
-          <a:xfrm>
-            <a:off x="15512728" y="429976"/>
-            <a:ext cx="4312914" cy="2355227"/>
-          </a:xfrm>
-          <a:prstGeom prst="leftArrowCallout">
-            <a:avLst>
-              <a:gd name="adj1" fmla="val 25000"/>
-              <a:gd name="adj2" fmla="val 25000"/>
-              <a:gd name="adj3" fmla="val 25000"/>
-              <a:gd name="adj4" fmla="val 70781"/>
-            </a:avLst>
-          </a:prstGeom>
-          <a:solidFill>
-            <a:srgbClr val="C4E0B2"/>
-          </a:solidFill>
-          <a:ln w="9525" cap="flat" cmpd="sng">
-            <a:solidFill>
-              <a:schemeClr val="dk1"/>
-            </a:solidFill>
-            <a:prstDash val="solid"/>
-            <a:round/>
-            <a:headEnd type="none" w="sm" len="sm"/>
-            <a:tailEnd type="none" w="sm" len="sm"/>
-          </a:ln>
-        </p:spPr>
-        <p:txBody>
-          <a:bodyPr spcFirstLastPara="1" wrap="square" lIns="91425" tIns="45700" rIns="91425" bIns="45700" anchor="t" anchorCtr="0">
-            <a:noAutofit/>
-          </a:bodyPr>
-          <a:lstStyle/>
-          <a:p>
-            <a:pPr marL="0" marR="0" lvl="0" indent="0" algn="l" rtl="0">
-              <a:spcBef>
-                <a:spcPts val="0"/>
-              </a:spcBef>
-              <a:spcAft>
-                <a:spcPts val="0"/>
-              </a:spcAft>
-              <a:buNone/>
-            </a:pPr>
-            <a:r>
-              <a:rPr lang="en-US" sz="2400">
-                <a:solidFill>
-                  <a:schemeClr val="dk1"/>
-                </a:solidFill>
-                <a:latin typeface="Calibri"/>
-                <a:ea typeface="Calibri"/>
-                <a:cs typeface="Calibri"/>
-                <a:sym typeface="Calibri"/>
-              </a:rPr>
-              <a:t>Título numa linha (preferível) ou duas (se necessário).</a:t>
-            </a:r>
-            <a:endParaRPr/>
-          </a:p>
-        </p:txBody>
-      </p:sp>
-      <p:sp>
-        <p:nvSpPr>
-          <p:cNvPr id="104" name="Google Shape;104;p1"/>
-          <p:cNvSpPr/>
-          <p:nvPr/>
-        </p:nvSpPr>
-        <p:spPr>
-          <a:xfrm>
-            <a:off x="15409759" y="3049824"/>
-            <a:ext cx="6374777" cy="2989858"/>
-          </a:xfrm>
-          <a:prstGeom prst="leftArrowCallout">
-            <a:avLst>
-              <a:gd name="adj1" fmla="val 25000"/>
-              <a:gd name="adj2" fmla="val 25000"/>
-              <a:gd name="adj3" fmla="val 25000"/>
-              <a:gd name="adj4" fmla="val 70134"/>
-            </a:avLst>
-          </a:prstGeom>
-          <a:solidFill>
-            <a:srgbClr val="C4E0B2"/>
-          </a:solidFill>
-          <a:ln w="9525" cap="flat" cmpd="sng">
-            <a:solidFill>
-              <a:schemeClr val="dk1"/>
-            </a:solidFill>
-            <a:prstDash val="solid"/>
-            <a:round/>
-            <a:headEnd type="none" w="sm" len="sm"/>
-            <a:tailEnd type="none" w="sm" len="sm"/>
-          </a:ln>
-        </p:spPr>
-        <p:txBody>
-          <a:bodyPr spcFirstLastPara="1" wrap="square" lIns="91425" tIns="45700" rIns="91425" bIns="45700" anchor="t" anchorCtr="0">
-            <a:noAutofit/>
-          </a:bodyPr>
-          <a:lstStyle/>
-          <a:p>
-            <a:pPr marL="0" marR="0" lvl="0" indent="0" algn="l" rtl="0">
-              <a:spcBef>
-                <a:spcPts val="0"/>
-              </a:spcBef>
-              <a:spcAft>
-                <a:spcPts val="0"/>
-              </a:spcAft>
-              <a:buNone/>
-            </a:pPr>
-            <a:r>
-              <a:rPr lang="en-US" sz="2400" dirty="0" err="1">
-                <a:solidFill>
-                  <a:schemeClr val="dk1"/>
-                </a:solidFill>
-                <a:latin typeface="Calibri"/>
-                <a:ea typeface="Calibri"/>
-                <a:cs typeface="Calibri"/>
-                <a:sym typeface="Calibri"/>
-              </a:rPr>
-              <a:t>Última</a:t>
-            </a:r>
-            <a:r>
-              <a:rPr lang="en-US" sz="2400" dirty="0">
-                <a:solidFill>
-                  <a:schemeClr val="dk1"/>
-                </a:solidFill>
-                <a:latin typeface="Calibri"/>
-                <a:ea typeface="Calibri"/>
-                <a:cs typeface="Calibri"/>
-                <a:sym typeface="Calibri"/>
-              </a:rPr>
-              <a:t> </a:t>
-            </a:r>
-            <a:r>
-              <a:rPr lang="en-US" sz="2400" dirty="0" err="1">
-                <a:solidFill>
-                  <a:schemeClr val="dk1"/>
-                </a:solidFill>
-                <a:latin typeface="Calibri"/>
-                <a:ea typeface="Calibri"/>
-                <a:cs typeface="Calibri"/>
-                <a:sym typeface="Calibri"/>
-              </a:rPr>
-              <a:t>linha</a:t>
-            </a:r>
-            <a:r>
-              <a:rPr lang="en-US" sz="2400" dirty="0">
-                <a:solidFill>
-                  <a:schemeClr val="dk1"/>
-                </a:solidFill>
-                <a:latin typeface="Calibri"/>
-                <a:ea typeface="Calibri"/>
-                <a:cs typeface="Calibri"/>
-                <a:sym typeface="Calibri"/>
-              </a:rPr>
-              <a:t>: </a:t>
-            </a:r>
-            <a:endParaRPr dirty="0"/>
-          </a:p>
-          <a:p>
-            <a:pPr marL="342900" marR="0" lvl="0" indent="-342900" algn="l" rtl="0">
-              <a:spcBef>
-                <a:spcPts val="0"/>
-              </a:spcBef>
-              <a:spcAft>
-                <a:spcPts val="0"/>
-              </a:spcAft>
-              <a:buClr>
-                <a:schemeClr val="dk1"/>
-              </a:buClr>
-              <a:buSzPts val="2400"/>
-              <a:buFont typeface="Calibri"/>
-              <a:buChar char="-"/>
-            </a:pPr>
-            <a:r>
-              <a:rPr lang="en-US" sz="2400" dirty="0" err="1">
-                <a:solidFill>
-                  <a:schemeClr val="dk1"/>
-                </a:solidFill>
-                <a:latin typeface="Calibri"/>
-                <a:ea typeface="Calibri"/>
-                <a:cs typeface="Calibri"/>
-                <a:sym typeface="Calibri"/>
-              </a:rPr>
-              <a:t>designação</a:t>
-            </a:r>
-            <a:r>
-              <a:rPr lang="en-US" sz="2400" dirty="0">
-                <a:solidFill>
-                  <a:schemeClr val="dk1"/>
-                </a:solidFill>
-                <a:latin typeface="Calibri"/>
-                <a:ea typeface="Calibri"/>
-                <a:cs typeface="Calibri"/>
-                <a:sym typeface="Calibri"/>
-              </a:rPr>
-              <a:t> da </a:t>
-            </a:r>
-            <a:r>
-              <a:rPr lang="en-US" sz="2400" dirty="0" err="1">
-                <a:solidFill>
-                  <a:schemeClr val="dk1"/>
-                </a:solidFill>
-                <a:latin typeface="Calibri"/>
-                <a:ea typeface="Calibri"/>
-                <a:cs typeface="Calibri"/>
-                <a:sym typeface="Calibri"/>
-              </a:rPr>
-              <a:t>unidade</a:t>
-            </a:r>
-            <a:r>
-              <a:rPr lang="en-US" sz="2400" dirty="0">
-                <a:solidFill>
-                  <a:schemeClr val="dk1"/>
-                </a:solidFill>
-                <a:latin typeface="Calibri"/>
-                <a:ea typeface="Calibri"/>
-                <a:cs typeface="Calibri"/>
-                <a:sym typeface="Calibri"/>
-              </a:rPr>
-              <a:t> curricular, </a:t>
-            </a:r>
-            <a:r>
-              <a:rPr lang="en-US" sz="2400" dirty="0" err="1">
-                <a:solidFill>
-                  <a:schemeClr val="dk1"/>
-                </a:solidFill>
-                <a:latin typeface="Calibri"/>
-                <a:ea typeface="Calibri"/>
-                <a:cs typeface="Calibri"/>
-                <a:sym typeface="Calibri"/>
-              </a:rPr>
-              <a:t>ou</a:t>
-            </a:r>
-            <a:r>
-              <a:rPr lang="en-US" sz="2400" dirty="0">
-                <a:solidFill>
-                  <a:schemeClr val="dk1"/>
-                </a:solidFill>
-                <a:latin typeface="Calibri"/>
-                <a:ea typeface="Calibri"/>
-                <a:cs typeface="Calibri"/>
-                <a:sym typeface="Calibri"/>
-              </a:rPr>
-              <a:t> </a:t>
-            </a:r>
-            <a:endParaRPr dirty="0"/>
-          </a:p>
-          <a:p>
-            <a:pPr marL="342900" marR="0" lvl="0" indent="-342900" algn="l" rtl="0">
-              <a:spcBef>
-                <a:spcPts val="0"/>
-              </a:spcBef>
-              <a:spcAft>
-                <a:spcPts val="0"/>
-              </a:spcAft>
-              <a:buClr>
-                <a:schemeClr val="dk1"/>
-              </a:buClr>
-              <a:buSzPts val="2400"/>
-              <a:buFont typeface="Calibri"/>
-              <a:buChar char="-"/>
-            </a:pPr>
-            <a:r>
-              <a:rPr lang="en-US" sz="2400" dirty="0" err="1">
-                <a:solidFill>
-                  <a:schemeClr val="dk1"/>
-                </a:solidFill>
-                <a:latin typeface="Calibri"/>
-                <a:ea typeface="Calibri"/>
-                <a:cs typeface="Calibri"/>
-                <a:sym typeface="Calibri"/>
-              </a:rPr>
-              <a:t>grau</a:t>
-            </a:r>
-            <a:r>
-              <a:rPr lang="en-US" sz="2400" dirty="0">
-                <a:solidFill>
-                  <a:schemeClr val="dk1"/>
-                </a:solidFill>
-                <a:latin typeface="Calibri"/>
-                <a:ea typeface="Calibri"/>
-                <a:cs typeface="Calibri"/>
-                <a:sym typeface="Calibri"/>
-              </a:rPr>
-              <a:t>, para as </a:t>
-            </a:r>
-            <a:r>
-              <a:rPr lang="en-US" sz="2400" dirty="0" err="1">
-                <a:solidFill>
-                  <a:schemeClr val="dk1"/>
-                </a:solidFill>
-                <a:latin typeface="Calibri"/>
-                <a:ea typeface="Calibri"/>
-                <a:cs typeface="Calibri"/>
-                <a:sym typeface="Calibri"/>
-              </a:rPr>
-              <a:t>dissertações</a:t>
-            </a:r>
-            <a:r>
-              <a:rPr lang="en-US" sz="2400" dirty="0">
-                <a:solidFill>
-                  <a:schemeClr val="dk1"/>
-                </a:solidFill>
-                <a:latin typeface="Calibri"/>
-                <a:ea typeface="Calibri"/>
-                <a:cs typeface="Calibri"/>
-                <a:sym typeface="Calibri"/>
-              </a:rPr>
-              <a:t>/</a:t>
-            </a:r>
-            <a:r>
-              <a:rPr lang="en-US" sz="2400" dirty="0" err="1">
-                <a:solidFill>
-                  <a:schemeClr val="dk1"/>
-                </a:solidFill>
-                <a:latin typeface="Calibri"/>
-                <a:ea typeface="Calibri"/>
-                <a:cs typeface="Calibri"/>
-                <a:sym typeface="Calibri"/>
-              </a:rPr>
-              <a:t>teses</a:t>
-            </a:r>
-            <a:r>
-              <a:rPr lang="en-US" sz="2400" dirty="0">
-                <a:solidFill>
-                  <a:schemeClr val="dk1"/>
-                </a:solidFill>
-                <a:latin typeface="Calibri"/>
-                <a:ea typeface="Calibri"/>
-                <a:cs typeface="Calibri"/>
-                <a:sym typeface="Calibri"/>
-              </a:rPr>
-              <a:t>, e.g.: </a:t>
-            </a:r>
-            <a:r>
-              <a:rPr lang="en-US" sz="2400" dirty="0" err="1">
-                <a:solidFill>
-                  <a:schemeClr val="dk1"/>
-                </a:solidFill>
-                <a:latin typeface="Calibri"/>
-                <a:ea typeface="Calibri"/>
-                <a:cs typeface="Calibri"/>
-                <a:sym typeface="Calibri"/>
-              </a:rPr>
-              <a:t>Mestrado</a:t>
-            </a:r>
-            <a:r>
-              <a:rPr lang="en-US" sz="2400" dirty="0">
-                <a:solidFill>
-                  <a:schemeClr val="dk1"/>
-                </a:solidFill>
-                <a:latin typeface="Calibri"/>
-                <a:ea typeface="Calibri"/>
-                <a:cs typeface="Calibri"/>
-                <a:sym typeface="Calibri"/>
-              </a:rPr>
-              <a:t> em Engenharia Informática</a:t>
-            </a:r>
-            <a:endParaRPr sz="2400" dirty="0">
-              <a:solidFill>
-                <a:schemeClr val="dk1"/>
-              </a:solidFill>
-              <a:latin typeface="Calibri"/>
-              <a:ea typeface="Calibri"/>
-              <a:cs typeface="Calibri"/>
-              <a:sym typeface="Calibri"/>
-            </a:endParaRPr>
-          </a:p>
-          <a:p>
-            <a:pPr marL="0" marR="0" lvl="0" indent="0" algn="l" rtl="0">
-              <a:spcBef>
-                <a:spcPts val="0"/>
-              </a:spcBef>
-              <a:spcAft>
-                <a:spcPts val="0"/>
-              </a:spcAft>
-              <a:buNone/>
-            </a:pPr>
-            <a:endParaRPr sz="2400" dirty="0">
-              <a:solidFill>
-                <a:schemeClr val="dk1"/>
-              </a:solidFill>
-              <a:latin typeface="Calibri"/>
-              <a:ea typeface="Calibri"/>
-              <a:cs typeface="Calibri"/>
-              <a:sym typeface="Calibri"/>
-            </a:endParaRPr>
-          </a:p>
-        </p:txBody>
-      </p:sp>
-      <p:sp>
-        <p:nvSpPr>
-          <p:cNvPr id="105" name="Google Shape;105;p1"/>
-          <p:cNvSpPr/>
-          <p:nvPr/>
-        </p:nvSpPr>
-        <p:spPr>
-          <a:xfrm>
-            <a:off x="15770264" y="6949280"/>
-            <a:ext cx="4752975" cy="2230438"/>
-          </a:xfrm>
-          <a:prstGeom prst="leftArrowCallout">
-            <a:avLst>
-              <a:gd name="adj1" fmla="val 25000"/>
-              <a:gd name="adj2" fmla="val 25000"/>
-              <a:gd name="adj3" fmla="val 25000"/>
-              <a:gd name="adj4" fmla="val 68031"/>
-            </a:avLst>
-          </a:prstGeom>
-          <a:solidFill>
-            <a:srgbClr val="C4E0B2"/>
-          </a:solidFill>
-          <a:ln w="9525" cap="flat" cmpd="sng">
-            <a:solidFill>
-              <a:schemeClr val="dk1"/>
-            </a:solidFill>
-            <a:prstDash val="solid"/>
-            <a:round/>
-            <a:headEnd type="none" w="sm" len="sm"/>
-            <a:tailEnd type="none" w="sm" len="sm"/>
-          </a:ln>
-        </p:spPr>
-        <p:txBody>
-          <a:bodyPr spcFirstLastPara="1" wrap="square" lIns="91425" tIns="45700" rIns="91425" bIns="45700" anchor="t" anchorCtr="0">
-            <a:noAutofit/>
-          </a:bodyPr>
-          <a:lstStyle/>
-          <a:p>
-            <a:pPr marL="0" marR="0" lvl="0" indent="0" algn="l" rtl="0">
-              <a:spcBef>
-                <a:spcPts val="0"/>
-              </a:spcBef>
-              <a:spcAft>
-                <a:spcPts val="0"/>
-              </a:spcAft>
-              <a:buNone/>
-            </a:pPr>
-            <a:r>
-              <a:rPr lang="en-US" sz="2400">
-                <a:solidFill>
-                  <a:schemeClr val="dk1"/>
-                </a:solidFill>
-                <a:latin typeface="Calibri"/>
-                <a:ea typeface="Calibri"/>
-                <a:cs typeface="Calibri"/>
-                <a:sym typeface="Calibri"/>
-              </a:rPr>
-              <a:t>Língua sugerida:</a:t>
-            </a:r>
-            <a:endParaRPr/>
-          </a:p>
-          <a:p>
-            <a:pPr marL="0" marR="0" lvl="0" indent="0" algn="l" rtl="0">
-              <a:spcBef>
-                <a:spcPts val="0"/>
-              </a:spcBef>
-              <a:spcAft>
-                <a:spcPts val="0"/>
-              </a:spcAft>
-              <a:buNone/>
-            </a:pPr>
-            <a:r>
-              <a:rPr lang="en-US" sz="3200">
-                <a:solidFill>
-                  <a:schemeClr val="dk1"/>
-                </a:solidFill>
-                <a:latin typeface="Calibri"/>
-                <a:ea typeface="Calibri"/>
-                <a:cs typeface="Calibri"/>
-                <a:sym typeface="Calibri"/>
-              </a:rPr>
-              <a:t>Português ou inglês.</a:t>
-            </a:r>
-            <a:endParaRPr sz="2400">
-              <a:solidFill>
-                <a:schemeClr val="dk1"/>
-              </a:solidFill>
-              <a:latin typeface="Calibri"/>
-              <a:ea typeface="Calibri"/>
-              <a:cs typeface="Calibri"/>
-              <a:sym typeface="Calibri"/>
-            </a:endParaRPr>
-          </a:p>
-          <a:p>
-            <a:pPr marL="0" marR="0" lvl="0" indent="0" algn="l" rtl="0">
-              <a:spcBef>
-                <a:spcPts val="0"/>
-              </a:spcBef>
-              <a:spcAft>
-                <a:spcPts val="0"/>
-              </a:spcAft>
-              <a:buNone/>
-            </a:pPr>
-            <a:endParaRPr sz="2400">
-              <a:solidFill>
-                <a:schemeClr val="dk1"/>
-              </a:solidFill>
-              <a:latin typeface="Calibri"/>
-              <a:ea typeface="Calibri"/>
-              <a:cs typeface="Calibri"/>
-              <a:sym typeface="Calibri"/>
-            </a:endParaRPr>
-          </a:p>
-        </p:txBody>
-      </p:sp>
-      <p:sp>
-        <p:nvSpPr>
-          <p:cNvPr id="106" name="Google Shape;106;p1"/>
-          <p:cNvSpPr/>
-          <p:nvPr/>
-        </p:nvSpPr>
-        <p:spPr>
-          <a:xfrm>
-            <a:off x="15995812" y="18519773"/>
-            <a:ext cx="4751387" cy="3044826"/>
-          </a:xfrm>
-          <a:prstGeom prst="leftArrowCallout">
-            <a:avLst>
-              <a:gd name="adj1" fmla="val 25000"/>
-              <a:gd name="adj2" fmla="val 25000"/>
-              <a:gd name="adj3" fmla="val 25000"/>
-              <a:gd name="adj4" fmla="val 70781"/>
-            </a:avLst>
-          </a:prstGeom>
-          <a:solidFill>
-            <a:srgbClr val="C4E0B2"/>
-          </a:solidFill>
-          <a:ln w="9525" cap="flat" cmpd="sng">
-            <a:solidFill>
-              <a:schemeClr val="dk1"/>
-            </a:solidFill>
-            <a:prstDash val="solid"/>
-            <a:round/>
-            <a:headEnd type="none" w="sm" len="sm"/>
-            <a:tailEnd type="none" w="sm" len="sm"/>
-          </a:ln>
-        </p:spPr>
-        <p:txBody>
-          <a:bodyPr spcFirstLastPara="1" wrap="square" lIns="91425" tIns="45700" rIns="91425" bIns="45700" anchor="t" anchorCtr="0">
-            <a:noAutofit/>
-          </a:bodyPr>
-          <a:lstStyle/>
-          <a:p>
-            <a:pPr marL="0" marR="0" lvl="0" indent="0" algn="l" rtl="0">
-              <a:spcBef>
-                <a:spcPts val="0"/>
-              </a:spcBef>
-              <a:spcAft>
-                <a:spcPts val="0"/>
-              </a:spcAft>
-              <a:buNone/>
-            </a:pPr>
-            <a:r>
-              <a:rPr lang="en-US" sz="2400">
-                <a:solidFill>
-                  <a:schemeClr val="dk1"/>
-                </a:solidFill>
-                <a:latin typeface="Calibri"/>
-                <a:ea typeface="Calibri"/>
-                <a:cs typeface="Calibri"/>
-                <a:sym typeface="Calibri"/>
-              </a:rPr>
-              <a:t>Procurar que o corpo fique alinhado pela guia, nas duas colunas.</a:t>
-            </a:r>
-            <a:endParaRPr/>
           </a:p>
         </p:txBody>
       </p:sp>
@@ -14143,20 +12486,14 @@
           <p:nvPr/>
         </p:nvPicPr>
         <p:blipFill rotWithShape="1">
-          <a:blip r:embed="rId7">
-            <a:extLst>
-              <a:ext uri="{28A0092B-C50C-407E-A947-70E740481C1C}">
-                <a14:useLocalDpi xmlns:a14="http://schemas.microsoft.com/office/drawing/2010/main" val="0"/>
-              </a:ext>
-            </a:extLst>
-          </a:blip>
-          <a:srcRect l="8407"/>
+          <a:blip r:embed="rId7"/>
+          <a:srcRect t="2758" b="3423"/>
           <a:stretch/>
         </p:blipFill>
         <p:spPr bwMode="auto">
           <a:xfrm>
-            <a:off x="3216208" y="9951093"/>
-            <a:ext cx="5265836" cy="2944505"/>
+            <a:off x="3180249" y="10267950"/>
+            <a:ext cx="5265836" cy="3408818"/>
           </a:xfrm>
           <a:prstGeom prst="rect">
             <a:avLst/>
@@ -14202,8 +12539,8 @@
         </p:blipFill>
         <p:spPr bwMode="auto">
           <a:xfrm>
-            <a:off x="9433192" y="18951892"/>
-            <a:ext cx="962427" cy="823475"/>
+            <a:off x="9433193" y="19161443"/>
+            <a:ext cx="913916" cy="781968"/>
           </a:xfrm>
           <a:prstGeom prst="rect">
             <a:avLst/>
@@ -14249,8 +12586,8 @@
         </p:blipFill>
         <p:spPr bwMode="auto">
           <a:xfrm>
-            <a:off x="11185948" y="19113988"/>
-            <a:ext cx="1126371" cy="704041"/>
+            <a:off x="11185948" y="19323539"/>
+            <a:ext cx="1069597" cy="668554"/>
           </a:xfrm>
           <a:prstGeom prst="rect">
             <a:avLst/>
@@ -14296,8 +12633,8 @@
         </p:blipFill>
         <p:spPr bwMode="auto">
           <a:xfrm>
-            <a:off x="12966447" y="18660254"/>
-            <a:ext cx="1525586" cy="1525586"/>
+            <a:off x="12966447" y="18869804"/>
+            <a:ext cx="1448689" cy="1448689"/>
           </a:xfrm>
           <a:prstGeom prst="rect">
             <a:avLst/>
@@ -14343,8 +12680,8 @@
         </p:blipFill>
         <p:spPr bwMode="auto">
           <a:xfrm>
-            <a:off x="10060954" y="19989686"/>
-            <a:ext cx="1746410" cy="1164273"/>
+            <a:off x="10060954" y="20008737"/>
+            <a:ext cx="1658383" cy="1105588"/>
           </a:xfrm>
           <a:prstGeom prst="rect">
             <a:avLst/>
@@ -14376,22 +12713,14 @@
           <p:nvPr/>
         </p:nvPicPr>
         <p:blipFill>
-          <a:blip r:embed="rId12">
-            <a:extLst>
-              <a:ext uri="{28A0092B-C50C-407E-A947-70E740481C1C}">
-                <a14:useLocalDpi xmlns:a14="http://schemas.microsoft.com/office/drawing/2010/main" val="0"/>
-              </a:ext>
-            </a:extLst>
-          </a:blip>
+          <a:blip r:embed="rId12"/>
           <a:srcRect/>
-          <a:stretch>
-            <a:fillRect/>
-          </a:stretch>
+          <a:stretch/>
         </p:blipFill>
         <p:spPr bwMode="auto">
           <a:xfrm>
-            <a:off x="10351355" y="5388166"/>
-            <a:ext cx="3420690" cy="4304807"/>
+            <a:off x="10351355" y="5392090"/>
+            <a:ext cx="3420690" cy="4296957"/>
           </a:xfrm>
           <a:prstGeom prst="rect">
             <a:avLst/>
@@ -14408,6 +12737,92 @@
           </a:extLst>
         </p:spPr>
       </p:pic>
+      <p:pic>
+        <p:nvPicPr>
+          <p:cNvPr id="6" name="Picture 5" descr="A screenshot of a computer&#10;&#10;Description automatically generated with low confidence">
+            <a:extLst>
+              <a:ext uri="{FF2B5EF4-FFF2-40B4-BE49-F238E27FC236}">
+                <a16:creationId xmlns:a16="http://schemas.microsoft.com/office/drawing/2014/main" id="{8DF6C731-E7B5-F518-1F6B-4C8B6A6F5C0E}"/>
+              </a:ext>
+            </a:extLst>
+          </p:cNvPr>
+          <p:cNvPicPr>
+            <a:picLocks noChangeAspect="1"/>
+          </p:cNvPicPr>
+          <p:nvPr/>
+        </p:nvPicPr>
+        <p:blipFill>
+          <a:blip r:embed="rId13"/>
+          <a:stretch>
+            <a:fillRect/>
+          </a:stretch>
+        </p:blipFill>
+        <p:spPr>
+          <a:xfrm>
+            <a:off x="3192403" y="18087622"/>
+            <a:ext cx="5755825" cy="2147642"/>
+          </a:xfrm>
+          <a:prstGeom prst="rect">
+            <a:avLst/>
+          </a:prstGeom>
+        </p:spPr>
+      </p:pic>
+      <p:sp>
+        <p:nvSpPr>
+          <p:cNvPr id="2" name="Google Shape;94;p1">
+            <a:extLst>
+              <a:ext uri="{FF2B5EF4-FFF2-40B4-BE49-F238E27FC236}">
+                <a16:creationId xmlns:a16="http://schemas.microsoft.com/office/drawing/2014/main" id="{F2EE2E9E-A50E-C29D-9B70-1C33253CED7C}"/>
+              </a:ext>
+            </a:extLst>
+          </p:cNvPr>
+          <p:cNvSpPr txBox="1"/>
+          <p:nvPr/>
+        </p:nvSpPr>
+        <p:spPr>
+          <a:xfrm>
+            <a:off x="3205384" y="20392254"/>
+            <a:ext cx="5767979" cy="338554"/>
+          </a:xfrm>
+          <a:prstGeom prst="rect">
+            <a:avLst/>
+          </a:prstGeom>
+          <a:noFill/>
+          <a:ln>
+            <a:noFill/>
+          </a:ln>
+        </p:spPr>
+        <p:txBody>
+          <a:bodyPr spcFirstLastPara="1" wrap="square" lIns="91425" tIns="45700" rIns="91425" bIns="45700" anchor="t" anchorCtr="0">
+            <a:spAutoFit/>
+          </a:bodyPr>
+          <a:lstStyle/>
+          <a:p>
+            <a:pPr marL="0" marR="0" lvl="0" indent="0" algn="l" rtl="0">
+              <a:spcBef>
+                <a:spcPts val="0"/>
+              </a:spcBef>
+              <a:spcAft>
+                <a:spcPts val="0"/>
+              </a:spcAft>
+              <a:buNone/>
+            </a:pPr>
+            <a:r>
+              <a:rPr lang="en-US" sz="1600" b="0" i="0" u="none" strike="noStrike" cap="none" dirty="0">
+                <a:solidFill>
+                  <a:srgbClr val="548135"/>
+                </a:solidFill>
+                <a:latin typeface="Roboto Light"/>
+                <a:ea typeface="Roboto Light"/>
+                <a:cs typeface="Roboto Light"/>
+                <a:sym typeface="Roboto Light"/>
+              </a:rPr>
+              <a:t>Fig 2 – Example of highlighted text and score</a:t>
+            </a:r>
+            <a:endParaRPr dirty="0"/>
+          </a:p>
+        </p:txBody>
+      </p:sp>
     </p:spTree>
   </p:cSld>
   <p:clrMapOvr>
